--- a/Docs/Appausa 3.0.pptx
+++ b/Docs/Appausa 3.0.pptx
@@ -9,6 +9,8 @@
     <p:sldId id="257" r:id="rId3"/>
     <p:sldId id="259" r:id="rId4"/>
     <p:sldId id="258" r:id="rId5"/>
+    <p:sldId id="260" r:id="rId6"/>
+    <p:sldId id="261" r:id="rId7"/>
   </p:sldIdLst>
   <p:sldSz cx="12192000" cy="6858000"/>
   <p:notesSz cx="6858000" cy="9144000"/>
@@ -210,7 +212,7 @@
           <a:effectLst/>
           <a:extLst>
             <a:ext uri="{91240B29-F687-4f45-9708-019B960494DF}">
-              <a14:hiddenLine xmlns:a14="http://schemas.microsoft.com/office/drawing/2010/main" xmlns="" w="9525">
+              <a14:hiddenLine xmlns="" xmlns:a14="http://schemas.microsoft.com/office/drawing/2010/main" w="9525">
                 <a:solidFill>
                   <a:srgbClr val="000000"/>
                 </a:solidFill>
@@ -402,7 +404,7 @@
           <a:p>
             <a:fld id="{9312A5C8-BD95-49A5-8C32-5A11D6447EED}" type="datetimeFigureOut">
               <a:rPr lang="es-CO" smtClean="0"/>
-              <a:t>1/09/2020</a:t>
+              <a:t>13/10/2020</a:t>
             </a:fld>
             <a:endParaRPr lang="es-CO"/>
           </a:p>
@@ -720,7 +722,7 @@
           <a:p>
             <a:fld id="{9312A5C8-BD95-49A5-8C32-5A11D6447EED}" type="datetimeFigureOut">
               <a:rPr lang="es-CO" smtClean="0"/>
-              <a:t>1/09/2020</a:t>
+              <a:t>13/10/2020</a:t>
             </a:fld>
             <a:endParaRPr lang="es-CO"/>
           </a:p>
@@ -1208,7 +1210,7 @@
           <a:p>
             <a:fld id="{9312A5C8-BD95-49A5-8C32-5A11D6447EED}" type="datetimeFigureOut">
               <a:rPr lang="es-CO" smtClean="0"/>
-              <a:t>1/09/2020</a:t>
+              <a:t>13/10/2020</a:t>
             </a:fld>
             <a:endParaRPr lang="es-CO"/>
           </a:p>
@@ -1577,7 +1579,7 @@
           <a:p>
             <a:fld id="{9312A5C8-BD95-49A5-8C32-5A11D6447EED}" type="datetimeFigureOut">
               <a:rPr lang="es-CO" smtClean="0"/>
-              <a:t>1/09/2020</a:t>
+              <a:t>13/10/2020</a:t>
             </a:fld>
             <a:endParaRPr lang="es-CO"/>
           </a:p>
@@ -1732,7 +1734,7 @@
           <a:ln/>
           <a:extLst>
             <a:ext uri="{91240B29-F687-4f45-9708-019B960494DF}">
-              <a14:hiddenLine xmlns:a14="http://schemas.microsoft.com/office/drawing/2010/main" xmlns="" w="9525">
+              <a14:hiddenLine xmlns="" xmlns:a14="http://schemas.microsoft.com/office/drawing/2010/main" w="9525">
                 <a:solidFill>
                   <a:srgbClr val="000000"/>
                 </a:solidFill>
@@ -1850,7 +1852,7 @@
           <a:p>
             <a:fld id="{9312A5C8-BD95-49A5-8C32-5A11D6447EED}" type="datetimeFigureOut">
               <a:rPr lang="es-CO" smtClean="0"/>
-              <a:t>1/09/2020</a:t>
+              <a:t>13/10/2020</a:t>
             </a:fld>
             <a:endParaRPr lang="es-CO"/>
           </a:p>
@@ -2007,7 +2009,7 @@
           <a:ln/>
           <a:extLst>
             <a:ext uri="{91240B29-F687-4f45-9708-019B960494DF}">
-              <a14:hiddenLine xmlns:a14="http://schemas.microsoft.com/office/drawing/2010/main" xmlns="" w="9525">
+              <a14:hiddenLine xmlns="" xmlns:a14="http://schemas.microsoft.com/office/drawing/2010/main" w="9525">
                 <a:solidFill>
                   <a:srgbClr val="000000"/>
                 </a:solidFill>
@@ -2135,7 +2137,7 @@
           <a:p>
             <a:fld id="{9312A5C8-BD95-49A5-8C32-5A11D6447EED}" type="datetimeFigureOut">
               <a:rPr lang="es-CO" smtClean="0"/>
-              <a:t>1/09/2020</a:t>
+              <a:t>13/10/2020</a:t>
             </a:fld>
             <a:endParaRPr lang="es-CO"/>
           </a:p>
@@ -2290,7 +2292,7 @@
           <a:ln/>
           <a:extLst>
             <a:ext uri="{91240B29-F687-4f45-9708-019B960494DF}">
-              <a14:hiddenLine xmlns:a14="http://schemas.microsoft.com/office/drawing/2010/main" xmlns="" w="9525">
+              <a14:hiddenLine xmlns="" xmlns:a14="http://schemas.microsoft.com/office/drawing/2010/main" w="9525">
                 <a:solidFill>
                   <a:srgbClr val="000000"/>
                 </a:solidFill>
@@ -2418,7 +2420,7 @@
           <a:p>
             <a:fld id="{9312A5C8-BD95-49A5-8C32-5A11D6447EED}" type="datetimeFigureOut">
               <a:rPr lang="es-CO" smtClean="0"/>
-              <a:t>1/09/2020</a:t>
+              <a:t>13/10/2020</a:t>
             </a:fld>
             <a:endParaRPr lang="es-CO"/>
           </a:p>
@@ -2761,7 +2763,7 @@
           <a:p>
             <a:fld id="{9312A5C8-BD95-49A5-8C32-5A11D6447EED}" type="datetimeFigureOut">
               <a:rPr lang="es-CO" smtClean="0"/>
-              <a:t>1/09/2020</a:t>
+              <a:t>13/10/2020</a:t>
             </a:fld>
             <a:endParaRPr lang="es-CO"/>
           </a:p>
@@ -2916,7 +2918,7 @@
           <a:ln/>
           <a:extLst>
             <a:ext uri="{91240B29-F687-4f45-9708-019B960494DF}">
-              <a14:hiddenLine xmlns:a14="http://schemas.microsoft.com/office/drawing/2010/main" xmlns="" w="9525">
+              <a14:hiddenLine xmlns="" xmlns:a14="http://schemas.microsoft.com/office/drawing/2010/main" w="9525">
                 <a:solidFill>
                   <a:srgbClr val="000000"/>
                 </a:solidFill>
@@ -3100,7 +3102,7 @@
           <a:p>
             <a:fld id="{9312A5C8-BD95-49A5-8C32-5A11D6447EED}" type="datetimeFigureOut">
               <a:rPr lang="es-CO" smtClean="0"/>
-              <a:t>1/09/2020</a:t>
+              <a:t>13/10/2020</a:t>
             </a:fld>
             <a:endParaRPr lang="es-CO"/>
           </a:p>
@@ -3255,7 +3257,7 @@
           <a:ln/>
           <a:extLst>
             <a:ext uri="{91240B29-F687-4f45-9708-019B960494DF}">
-              <a14:hiddenLine xmlns:a14="http://schemas.microsoft.com/office/drawing/2010/main" xmlns="" w="9525">
+              <a14:hiddenLine xmlns="" xmlns:a14="http://schemas.microsoft.com/office/drawing/2010/main" w="9525">
                 <a:solidFill>
                   <a:srgbClr val="000000"/>
                 </a:solidFill>
@@ -3577,7 +3579,7 @@
           <a:p>
             <a:fld id="{9312A5C8-BD95-49A5-8C32-5A11D6447EED}" type="datetimeFigureOut">
               <a:rPr lang="es-CO" smtClean="0"/>
-              <a:t>1/09/2020</a:t>
+              <a:t>13/10/2020</a:t>
             </a:fld>
             <a:endParaRPr lang="es-CO"/>
           </a:p>
@@ -3732,7 +3734,7 @@
           <a:ln/>
           <a:extLst>
             <a:ext uri="{91240B29-F687-4f45-9708-019B960494DF}">
-              <a14:hiddenLine xmlns:a14="http://schemas.microsoft.com/office/drawing/2010/main" xmlns="" w="9525">
+              <a14:hiddenLine xmlns="" xmlns:a14="http://schemas.microsoft.com/office/drawing/2010/main" w="9525">
                 <a:solidFill>
                   <a:srgbClr val="000000"/>
                 </a:solidFill>
@@ -3798,7 +3800,7 @@
           <a:p>
             <a:fld id="{9312A5C8-BD95-49A5-8C32-5A11D6447EED}" type="datetimeFigureOut">
               <a:rPr lang="es-CO" smtClean="0"/>
-              <a:t>1/09/2020</a:t>
+              <a:t>13/10/2020</a:t>
             </a:fld>
             <a:endParaRPr lang="es-CO"/>
           </a:p>
@@ -3893,7 +3895,7 @@
           <a:p>
             <a:fld id="{9312A5C8-BD95-49A5-8C32-5A11D6447EED}" type="datetimeFigureOut">
               <a:rPr lang="es-CO" smtClean="0"/>
-              <a:t>1/09/2020</a:t>
+              <a:t>13/10/2020</a:t>
             </a:fld>
             <a:endParaRPr lang="es-CO"/>
           </a:p>
@@ -4161,7 +4163,7 @@
           <a:ln/>
           <a:extLst>
             <a:ext uri="{91240B29-F687-4f45-9708-019B960494DF}">
-              <a14:hiddenLine xmlns:a14="http://schemas.microsoft.com/office/drawing/2010/main" xmlns="" w="9525">
+              <a14:hiddenLine xmlns="" xmlns:a14="http://schemas.microsoft.com/office/drawing/2010/main" w="9525">
                 <a:solidFill>
                   <a:srgbClr val="000000"/>
                 </a:solidFill>
@@ -4360,7 +4362,7 @@
           <a:p>
             <a:fld id="{9312A5C8-BD95-49A5-8C32-5A11D6447EED}" type="datetimeFigureOut">
               <a:rPr lang="es-CO" smtClean="0"/>
-              <a:t>1/09/2020</a:t>
+              <a:t>13/10/2020</a:t>
             </a:fld>
             <a:endParaRPr lang="es-CO"/>
           </a:p>
@@ -4673,7 +4675,7 @@
           <a:p>
             <a:fld id="{9312A5C8-BD95-49A5-8C32-5A11D6447EED}" type="datetimeFigureOut">
               <a:rPr lang="es-CO" smtClean="0"/>
-              <a:t>1/09/2020</a:t>
+              <a:t>13/10/2020</a:t>
             </a:fld>
             <a:endParaRPr lang="es-CO"/>
           </a:p>
@@ -4943,7 +4945,7 @@
           <a:p>
             <a:fld id="{9312A5C8-BD95-49A5-8C32-5A11D6447EED}" type="datetimeFigureOut">
               <a:rPr lang="es-CO" smtClean="0"/>
-              <a:t>1/09/2020</a:t>
+              <a:t>13/10/2020</a:t>
             </a:fld>
             <a:endParaRPr lang="es-CO"/>
           </a:p>
@@ -5816,20 +5818,18 @@
       </p:sp>
       <p:pic>
         <p:nvPicPr>
-          <p:cNvPr id="6" name="Imagen 5">
+          <p:cNvPr id="4" name="Imagen 3">
             <a:extLst>
               <a:ext uri="{FF2B5EF4-FFF2-40B4-BE49-F238E27FC236}">
-                <a16:creationId xmlns:a16="http://schemas.microsoft.com/office/drawing/2014/main" id="{414FC060-0406-4B7A-89D6-D042EA045261}"/>
+                <a16:creationId xmlns:a16="http://schemas.microsoft.com/office/drawing/2014/main" id="{4DA6D94A-3925-4B49-9D48-620192B0A6B0}"/>
               </a:ext>
             </a:extLst>
           </p:cNvPr>
-          <p:cNvPicPr>
-            <a:picLocks noChangeAspect="1"/>
-          </p:cNvPicPr>
+          <p:cNvPicPr/>
           <p:nvPr/>
         </p:nvPicPr>
         <p:blipFill>
-          <a:blip r:embed="rId2">
+          <a:blip r:embed="rId2" cstate="print">
             <a:extLst>
               <a:ext uri="{28A0092B-C50C-407E-A947-70E740481C1C}">
                 <a14:useLocalDpi xmlns:a14="http://schemas.microsoft.com/office/drawing/2010/main" val="0"/>
@@ -5842,8 +5842,8 @@
         </p:blipFill>
         <p:spPr>
           <a:xfrm>
-            <a:off x="2498481" y="0"/>
-            <a:ext cx="9693519" cy="6858000"/>
+            <a:off x="2693267" y="154700"/>
+            <a:ext cx="8980392" cy="6548600"/>
           </a:xfrm>
           <a:prstGeom prst="rect">
             <a:avLst/>
@@ -5854,6 +5854,352 @@
     <p:extLst>
       <p:ext uri="{BB962C8B-B14F-4D97-AF65-F5344CB8AC3E}">
         <p14:creationId xmlns:p14="http://schemas.microsoft.com/office/powerpoint/2010/main" val="2872243482"/>
+      </p:ext>
+    </p:extLst>
+  </p:cSld>
+  <p:clrMapOvr>
+    <a:masterClrMapping/>
+  </p:clrMapOvr>
+</p:sld>
+</file>
+
+<file path=ppt/slides/slide5.xml><?xml version="1.0" encoding="utf-8"?>
+<p:sld xmlns:a="http://schemas.openxmlformats.org/drawingml/2006/main" xmlns:r="http://schemas.openxmlformats.org/officeDocument/2006/relationships" xmlns:p="http://schemas.openxmlformats.org/presentationml/2006/main">
+  <p:cSld>
+    <p:spTree>
+      <p:nvGrpSpPr>
+        <p:cNvPr id="1" name=""/>
+        <p:cNvGrpSpPr/>
+        <p:nvPr/>
+      </p:nvGrpSpPr>
+      <p:grpSpPr>
+        <a:xfrm>
+          <a:off x="0" y="0"/>
+          <a:ext cx="0" cy="0"/>
+          <a:chOff x="0" y="0"/>
+          <a:chExt cx="0" cy="0"/>
+        </a:xfrm>
+      </p:grpSpPr>
+      <p:pic>
+        <p:nvPicPr>
+          <p:cNvPr id="3" name="Imagen 2">
+            <a:extLst>
+              <a:ext uri="{FF2B5EF4-FFF2-40B4-BE49-F238E27FC236}">
+                <a16:creationId xmlns:a16="http://schemas.microsoft.com/office/drawing/2014/main" id="{EF5298D4-794F-44CC-8276-9B0D4BC6A16A}"/>
+              </a:ext>
+            </a:extLst>
+          </p:cNvPr>
+          <p:cNvPicPr>
+            <a:picLocks noChangeAspect="1"/>
+          </p:cNvPicPr>
+          <p:nvPr/>
+        </p:nvPicPr>
+        <p:blipFill>
+          <a:blip r:embed="rId2"/>
+          <a:stretch>
+            <a:fillRect/>
+          </a:stretch>
+        </p:blipFill>
+        <p:spPr>
+          <a:xfrm>
+            <a:off x="8512518" y="170678"/>
+            <a:ext cx="3371850" cy="6038850"/>
+          </a:xfrm>
+          <a:prstGeom prst="rect">
+            <a:avLst/>
+          </a:prstGeom>
+        </p:spPr>
+      </p:pic>
+      <p:sp>
+        <p:nvSpPr>
+          <p:cNvPr id="5" name="Rectángulo 4">
+            <a:extLst>
+              <a:ext uri="{FF2B5EF4-FFF2-40B4-BE49-F238E27FC236}">
+                <a16:creationId xmlns:a16="http://schemas.microsoft.com/office/drawing/2014/main" id="{07DF1E73-C4EE-4B4D-BF1E-6B4849BB343B}"/>
+              </a:ext>
+            </a:extLst>
+          </p:cNvPr>
+          <p:cNvSpPr/>
+          <p:nvPr/>
+        </p:nvSpPr>
+        <p:spPr>
+          <a:xfrm>
+            <a:off x="535459" y="834619"/>
+            <a:ext cx="2729895" cy="1630011"/>
+          </a:xfrm>
+          <a:prstGeom prst="rect">
+            <a:avLst/>
+          </a:prstGeom>
+        </p:spPr>
+        <p:style>
+          <a:lnRef idx="2">
+            <a:schemeClr val="accent1">
+              <a:shade val="50000"/>
+            </a:schemeClr>
+          </a:lnRef>
+          <a:fillRef idx="1">
+            <a:schemeClr val="accent1"/>
+          </a:fillRef>
+          <a:effectRef idx="0">
+            <a:schemeClr val="accent1"/>
+          </a:effectRef>
+          <a:fontRef idx="minor">
+            <a:schemeClr val="lt1"/>
+          </a:fontRef>
+        </p:style>
+        <p:txBody>
+          <a:bodyPr rtlCol="0" anchor="ctr"/>
+          <a:lstStyle/>
+          <a:p>
+            <a:pPr algn="ctr"/>
+            <a:r>
+              <a:rPr lang="es-ES" sz="3200" dirty="0"/>
+              <a:t>Estructura del Proyecto</a:t>
+            </a:r>
+            <a:endParaRPr lang="es-CO" sz="3200" dirty="0"/>
+          </a:p>
+        </p:txBody>
+      </p:sp>
+      <p:sp>
+        <p:nvSpPr>
+          <p:cNvPr id="6" name="Flecha: a la derecha 5">
+            <a:extLst>
+              <a:ext uri="{FF2B5EF4-FFF2-40B4-BE49-F238E27FC236}">
+                <a16:creationId xmlns:a16="http://schemas.microsoft.com/office/drawing/2014/main" id="{E0083BB7-EA4F-4BBC-9F6B-15910344BAD9}"/>
+              </a:ext>
+            </a:extLst>
+          </p:cNvPr>
+          <p:cNvSpPr/>
+          <p:nvPr/>
+        </p:nvSpPr>
+        <p:spPr>
+          <a:xfrm>
+            <a:off x="7101016" y="4764327"/>
+            <a:ext cx="1411502" cy="1260389"/>
+          </a:xfrm>
+          <a:prstGeom prst="rightArrow">
+            <a:avLst/>
+          </a:prstGeom>
+        </p:spPr>
+        <p:style>
+          <a:lnRef idx="2">
+            <a:schemeClr val="accent1">
+              <a:shade val="50000"/>
+            </a:schemeClr>
+          </a:lnRef>
+          <a:fillRef idx="1">
+            <a:schemeClr val="accent1"/>
+          </a:fillRef>
+          <a:effectRef idx="0">
+            <a:schemeClr val="accent1"/>
+          </a:effectRef>
+          <a:fontRef idx="minor">
+            <a:schemeClr val="lt1"/>
+          </a:fontRef>
+        </p:style>
+        <p:txBody>
+          <a:bodyPr rtlCol="0" anchor="ctr"/>
+          <a:lstStyle/>
+          <a:p>
+            <a:pPr algn="ctr"/>
+            <a:endParaRPr lang="es-CO"/>
+          </a:p>
+        </p:txBody>
+      </p:sp>
+      <p:pic>
+        <p:nvPicPr>
+          <p:cNvPr id="7" name="Imagen 6">
+            <a:extLst>
+              <a:ext uri="{FF2B5EF4-FFF2-40B4-BE49-F238E27FC236}">
+                <a16:creationId xmlns:a16="http://schemas.microsoft.com/office/drawing/2014/main" id="{534A9A69-24D4-4BC6-8C6A-23B63F5BEA86}"/>
+              </a:ext>
+            </a:extLst>
+          </p:cNvPr>
+          <p:cNvPicPr>
+            <a:picLocks noChangeAspect="1"/>
+          </p:cNvPicPr>
+          <p:nvPr/>
+        </p:nvPicPr>
+        <p:blipFill>
+          <a:blip r:embed="rId3"/>
+          <a:stretch>
+            <a:fillRect/>
+          </a:stretch>
+        </p:blipFill>
+        <p:spPr>
+          <a:xfrm>
+            <a:off x="3265354" y="835855"/>
+            <a:ext cx="3467100" cy="3257550"/>
+          </a:xfrm>
+          <a:prstGeom prst="rect">
+            <a:avLst/>
+          </a:prstGeom>
+        </p:spPr>
+      </p:pic>
+      <p:sp>
+        <p:nvSpPr>
+          <p:cNvPr id="9" name="Rectángulo 8">
+            <a:extLst>
+              <a:ext uri="{FF2B5EF4-FFF2-40B4-BE49-F238E27FC236}">
+                <a16:creationId xmlns:a16="http://schemas.microsoft.com/office/drawing/2014/main" id="{E7255F2D-17A2-4D0A-8220-CC8E1CF5B24E}"/>
+              </a:ext>
+            </a:extLst>
+          </p:cNvPr>
+          <p:cNvSpPr/>
+          <p:nvPr/>
+        </p:nvSpPr>
+        <p:spPr>
+          <a:xfrm>
+            <a:off x="4371121" y="4579517"/>
+            <a:ext cx="2729895" cy="1630011"/>
+          </a:xfrm>
+          <a:prstGeom prst="rect">
+            <a:avLst/>
+          </a:prstGeom>
+        </p:spPr>
+        <p:style>
+          <a:lnRef idx="2">
+            <a:schemeClr val="accent1">
+              <a:shade val="50000"/>
+            </a:schemeClr>
+          </a:lnRef>
+          <a:fillRef idx="1">
+            <a:schemeClr val="accent1"/>
+          </a:fillRef>
+          <a:effectRef idx="0">
+            <a:schemeClr val="accent1"/>
+          </a:effectRef>
+          <a:fontRef idx="minor">
+            <a:schemeClr val="lt1"/>
+          </a:fontRef>
+        </p:style>
+        <p:txBody>
+          <a:bodyPr rtlCol="0" anchor="ctr"/>
+          <a:lstStyle/>
+          <a:p>
+            <a:pPr algn="ctr"/>
+            <a:r>
+              <a:rPr lang="es-ES" sz="3200" dirty="0"/>
+              <a:t>Entidades</a:t>
+            </a:r>
+            <a:endParaRPr lang="es-CO" sz="3200" dirty="0"/>
+          </a:p>
+        </p:txBody>
+      </p:sp>
+    </p:spTree>
+    <p:extLst>
+      <p:ext uri="{BB962C8B-B14F-4D97-AF65-F5344CB8AC3E}">
+        <p14:creationId xmlns:p14="http://schemas.microsoft.com/office/powerpoint/2010/main" val="3319241803"/>
+      </p:ext>
+    </p:extLst>
+  </p:cSld>
+  <p:clrMapOvr>
+    <a:masterClrMapping/>
+  </p:clrMapOvr>
+</p:sld>
+</file>
+
+<file path=ppt/slides/slide6.xml><?xml version="1.0" encoding="utf-8"?>
+<p:sld xmlns:a="http://schemas.openxmlformats.org/drawingml/2006/main" xmlns:r="http://schemas.openxmlformats.org/officeDocument/2006/relationships" xmlns:p="http://schemas.openxmlformats.org/presentationml/2006/main">
+  <p:cSld>
+    <p:spTree>
+      <p:nvGrpSpPr>
+        <p:cNvPr id="1" name=""/>
+        <p:cNvGrpSpPr/>
+        <p:nvPr/>
+      </p:nvGrpSpPr>
+      <p:grpSpPr>
+        <a:xfrm>
+          <a:off x="0" y="0"/>
+          <a:ext cx="0" cy="0"/>
+          <a:chOff x="0" y="0"/>
+          <a:chExt cx="0" cy="0"/>
+        </a:xfrm>
+      </p:grpSpPr>
+      <p:pic>
+        <p:nvPicPr>
+          <p:cNvPr id="2" name="Imagen 1">
+            <a:extLst>
+              <a:ext uri="{FF2B5EF4-FFF2-40B4-BE49-F238E27FC236}">
+                <a16:creationId xmlns:a16="http://schemas.microsoft.com/office/drawing/2014/main" id="{70550959-39E3-44C8-9F0C-6EE9DF41A9FC}"/>
+              </a:ext>
+            </a:extLst>
+          </p:cNvPr>
+          <p:cNvPicPr>
+            <a:picLocks noChangeAspect="1"/>
+          </p:cNvPicPr>
+          <p:nvPr/>
+        </p:nvPicPr>
+        <p:blipFill>
+          <a:blip r:embed="rId2"/>
+          <a:stretch>
+            <a:fillRect/>
+          </a:stretch>
+        </p:blipFill>
+        <p:spPr>
+          <a:xfrm>
+            <a:off x="3426941" y="158743"/>
+            <a:ext cx="8554217" cy="6540513"/>
+          </a:xfrm>
+          <a:prstGeom prst="rect">
+            <a:avLst/>
+          </a:prstGeom>
+        </p:spPr>
+      </p:pic>
+      <p:sp>
+        <p:nvSpPr>
+          <p:cNvPr id="4" name="Rectángulo 3">
+            <a:extLst>
+              <a:ext uri="{FF2B5EF4-FFF2-40B4-BE49-F238E27FC236}">
+                <a16:creationId xmlns:a16="http://schemas.microsoft.com/office/drawing/2014/main" id="{FDB2A0D9-C4A8-44EA-9072-C1CA1E8D83FC}"/>
+              </a:ext>
+            </a:extLst>
+          </p:cNvPr>
+          <p:cNvSpPr/>
+          <p:nvPr/>
+        </p:nvSpPr>
+        <p:spPr>
+          <a:xfrm>
+            <a:off x="816338" y="2457473"/>
+            <a:ext cx="2556108" cy="1630011"/>
+          </a:xfrm>
+          <a:prstGeom prst="rect">
+            <a:avLst/>
+          </a:prstGeom>
+        </p:spPr>
+        <p:style>
+          <a:lnRef idx="2">
+            <a:schemeClr val="accent1">
+              <a:shade val="50000"/>
+            </a:schemeClr>
+          </a:lnRef>
+          <a:fillRef idx="1">
+            <a:schemeClr val="accent1"/>
+          </a:fillRef>
+          <a:effectRef idx="0">
+            <a:schemeClr val="accent1"/>
+          </a:effectRef>
+          <a:fontRef idx="minor">
+            <a:schemeClr val="lt1"/>
+          </a:fontRef>
+        </p:style>
+        <p:txBody>
+          <a:bodyPr rtlCol="0" anchor="ctr"/>
+          <a:lstStyle/>
+          <a:p>
+            <a:pPr algn="ctr"/>
+            <a:r>
+              <a:rPr lang="es-ES" sz="3200" dirty="0"/>
+              <a:t>Ejemplo de una Entidad</a:t>
+            </a:r>
+            <a:endParaRPr lang="es-CO" sz="3200" dirty="0"/>
+          </a:p>
+        </p:txBody>
+      </p:sp>
+    </p:spTree>
+    <p:extLst>
+      <p:ext uri="{BB962C8B-B14F-4D97-AF65-F5344CB8AC3E}">
+        <p14:creationId xmlns:p14="http://schemas.microsoft.com/office/powerpoint/2010/main" val="509033696"/>
       </p:ext>
     </p:extLst>
   </p:cSld>

--- a/Docs/Appausa 3.0.pptx
+++ b/Docs/Appausa 3.0.pptx
@@ -7,10 +7,13 @@
   <p:sldIdLst>
     <p:sldId id="256" r:id="rId2"/>
     <p:sldId id="257" r:id="rId3"/>
-    <p:sldId id="259" r:id="rId4"/>
-    <p:sldId id="258" r:id="rId5"/>
-    <p:sldId id="260" r:id="rId6"/>
-    <p:sldId id="261" r:id="rId7"/>
+    <p:sldId id="262" r:id="rId4"/>
+    <p:sldId id="259" r:id="rId5"/>
+    <p:sldId id="258" r:id="rId6"/>
+    <p:sldId id="263" r:id="rId7"/>
+    <p:sldId id="264" r:id="rId8"/>
+    <p:sldId id="260" r:id="rId9"/>
+    <p:sldId id="261" r:id="rId10"/>
   </p:sldIdLst>
   <p:sldSz cx="12192000" cy="6858000"/>
   <p:notesSz cx="6858000" cy="9144000"/>
@@ -212,7 +215,7 @@
           <a:effectLst/>
           <a:extLst>
             <a:ext uri="{91240B29-F687-4f45-9708-019B960494DF}">
-              <a14:hiddenLine xmlns="" xmlns:a14="http://schemas.microsoft.com/office/drawing/2010/main" w="9525">
+              <a14:hiddenLine xmlns:a14="http://schemas.microsoft.com/office/drawing/2010/main" xmlns="" w="9525">
                 <a:solidFill>
                   <a:srgbClr val="000000"/>
                 </a:solidFill>
@@ -404,7 +407,7 @@
           <a:p>
             <a:fld id="{9312A5C8-BD95-49A5-8C32-5A11D6447EED}" type="datetimeFigureOut">
               <a:rPr lang="es-CO" smtClean="0"/>
-              <a:t>13/10/2020</a:t>
+              <a:t>19/10/2020</a:t>
             </a:fld>
             <a:endParaRPr lang="es-CO"/>
           </a:p>
@@ -722,7 +725,7 @@
           <a:p>
             <a:fld id="{9312A5C8-BD95-49A5-8C32-5A11D6447EED}" type="datetimeFigureOut">
               <a:rPr lang="es-CO" smtClean="0"/>
-              <a:t>13/10/2020</a:t>
+              <a:t>19/10/2020</a:t>
             </a:fld>
             <a:endParaRPr lang="es-CO"/>
           </a:p>
@@ -1210,7 +1213,7 @@
           <a:p>
             <a:fld id="{9312A5C8-BD95-49A5-8C32-5A11D6447EED}" type="datetimeFigureOut">
               <a:rPr lang="es-CO" smtClean="0"/>
-              <a:t>13/10/2020</a:t>
+              <a:t>19/10/2020</a:t>
             </a:fld>
             <a:endParaRPr lang="es-CO"/>
           </a:p>
@@ -1579,7 +1582,7 @@
           <a:p>
             <a:fld id="{9312A5C8-BD95-49A5-8C32-5A11D6447EED}" type="datetimeFigureOut">
               <a:rPr lang="es-CO" smtClean="0"/>
-              <a:t>13/10/2020</a:t>
+              <a:t>19/10/2020</a:t>
             </a:fld>
             <a:endParaRPr lang="es-CO"/>
           </a:p>
@@ -1734,7 +1737,7 @@
           <a:ln/>
           <a:extLst>
             <a:ext uri="{91240B29-F687-4f45-9708-019B960494DF}">
-              <a14:hiddenLine xmlns="" xmlns:a14="http://schemas.microsoft.com/office/drawing/2010/main" w="9525">
+              <a14:hiddenLine xmlns:a14="http://schemas.microsoft.com/office/drawing/2010/main" xmlns="" w="9525">
                 <a:solidFill>
                   <a:srgbClr val="000000"/>
                 </a:solidFill>
@@ -1852,7 +1855,7 @@
           <a:p>
             <a:fld id="{9312A5C8-BD95-49A5-8C32-5A11D6447EED}" type="datetimeFigureOut">
               <a:rPr lang="es-CO" smtClean="0"/>
-              <a:t>13/10/2020</a:t>
+              <a:t>19/10/2020</a:t>
             </a:fld>
             <a:endParaRPr lang="es-CO"/>
           </a:p>
@@ -2009,7 +2012,7 @@
           <a:ln/>
           <a:extLst>
             <a:ext uri="{91240B29-F687-4f45-9708-019B960494DF}">
-              <a14:hiddenLine xmlns="" xmlns:a14="http://schemas.microsoft.com/office/drawing/2010/main" w="9525">
+              <a14:hiddenLine xmlns:a14="http://schemas.microsoft.com/office/drawing/2010/main" xmlns="" w="9525">
                 <a:solidFill>
                   <a:srgbClr val="000000"/>
                 </a:solidFill>
@@ -2137,7 +2140,7 @@
           <a:p>
             <a:fld id="{9312A5C8-BD95-49A5-8C32-5A11D6447EED}" type="datetimeFigureOut">
               <a:rPr lang="es-CO" smtClean="0"/>
-              <a:t>13/10/2020</a:t>
+              <a:t>19/10/2020</a:t>
             </a:fld>
             <a:endParaRPr lang="es-CO"/>
           </a:p>
@@ -2292,7 +2295,7 @@
           <a:ln/>
           <a:extLst>
             <a:ext uri="{91240B29-F687-4f45-9708-019B960494DF}">
-              <a14:hiddenLine xmlns="" xmlns:a14="http://schemas.microsoft.com/office/drawing/2010/main" w="9525">
+              <a14:hiddenLine xmlns:a14="http://schemas.microsoft.com/office/drawing/2010/main" xmlns="" w="9525">
                 <a:solidFill>
                   <a:srgbClr val="000000"/>
                 </a:solidFill>
@@ -2420,7 +2423,7 @@
           <a:p>
             <a:fld id="{9312A5C8-BD95-49A5-8C32-5A11D6447EED}" type="datetimeFigureOut">
               <a:rPr lang="es-CO" smtClean="0"/>
-              <a:t>13/10/2020</a:t>
+              <a:t>19/10/2020</a:t>
             </a:fld>
             <a:endParaRPr lang="es-CO"/>
           </a:p>
@@ -2763,7 +2766,7 @@
           <a:p>
             <a:fld id="{9312A5C8-BD95-49A5-8C32-5A11D6447EED}" type="datetimeFigureOut">
               <a:rPr lang="es-CO" smtClean="0"/>
-              <a:t>13/10/2020</a:t>
+              <a:t>19/10/2020</a:t>
             </a:fld>
             <a:endParaRPr lang="es-CO"/>
           </a:p>
@@ -2918,7 +2921,7 @@
           <a:ln/>
           <a:extLst>
             <a:ext uri="{91240B29-F687-4f45-9708-019B960494DF}">
-              <a14:hiddenLine xmlns="" xmlns:a14="http://schemas.microsoft.com/office/drawing/2010/main" w="9525">
+              <a14:hiddenLine xmlns:a14="http://schemas.microsoft.com/office/drawing/2010/main" xmlns="" w="9525">
                 <a:solidFill>
                   <a:srgbClr val="000000"/>
                 </a:solidFill>
@@ -3102,7 +3105,7 @@
           <a:p>
             <a:fld id="{9312A5C8-BD95-49A5-8C32-5A11D6447EED}" type="datetimeFigureOut">
               <a:rPr lang="es-CO" smtClean="0"/>
-              <a:t>13/10/2020</a:t>
+              <a:t>19/10/2020</a:t>
             </a:fld>
             <a:endParaRPr lang="es-CO"/>
           </a:p>
@@ -3257,7 +3260,7 @@
           <a:ln/>
           <a:extLst>
             <a:ext uri="{91240B29-F687-4f45-9708-019B960494DF}">
-              <a14:hiddenLine xmlns="" xmlns:a14="http://schemas.microsoft.com/office/drawing/2010/main" w="9525">
+              <a14:hiddenLine xmlns:a14="http://schemas.microsoft.com/office/drawing/2010/main" xmlns="" w="9525">
                 <a:solidFill>
                   <a:srgbClr val="000000"/>
                 </a:solidFill>
@@ -3579,7 +3582,7 @@
           <a:p>
             <a:fld id="{9312A5C8-BD95-49A5-8C32-5A11D6447EED}" type="datetimeFigureOut">
               <a:rPr lang="es-CO" smtClean="0"/>
-              <a:t>13/10/2020</a:t>
+              <a:t>19/10/2020</a:t>
             </a:fld>
             <a:endParaRPr lang="es-CO"/>
           </a:p>
@@ -3734,7 +3737,7 @@
           <a:ln/>
           <a:extLst>
             <a:ext uri="{91240B29-F687-4f45-9708-019B960494DF}">
-              <a14:hiddenLine xmlns="" xmlns:a14="http://schemas.microsoft.com/office/drawing/2010/main" w="9525">
+              <a14:hiddenLine xmlns:a14="http://schemas.microsoft.com/office/drawing/2010/main" xmlns="" w="9525">
                 <a:solidFill>
                   <a:srgbClr val="000000"/>
                 </a:solidFill>
@@ -3800,7 +3803,7 @@
           <a:p>
             <a:fld id="{9312A5C8-BD95-49A5-8C32-5A11D6447EED}" type="datetimeFigureOut">
               <a:rPr lang="es-CO" smtClean="0"/>
-              <a:t>13/10/2020</a:t>
+              <a:t>19/10/2020</a:t>
             </a:fld>
             <a:endParaRPr lang="es-CO"/>
           </a:p>
@@ -3895,7 +3898,7 @@
           <a:p>
             <a:fld id="{9312A5C8-BD95-49A5-8C32-5A11D6447EED}" type="datetimeFigureOut">
               <a:rPr lang="es-CO" smtClean="0"/>
-              <a:t>13/10/2020</a:t>
+              <a:t>19/10/2020</a:t>
             </a:fld>
             <a:endParaRPr lang="es-CO"/>
           </a:p>
@@ -4163,7 +4166,7 @@
           <a:ln/>
           <a:extLst>
             <a:ext uri="{91240B29-F687-4f45-9708-019B960494DF}">
-              <a14:hiddenLine xmlns="" xmlns:a14="http://schemas.microsoft.com/office/drawing/2010/main" w="9525">
+              <a14:hiddenLine xmlns:a14="http://schemas.microsoft.com/office/drawing/2010/main" xmlns="" w="9525">
                 <a:solidFill>
                   <a:srgbClr val="000000"/>
                 </a:solidFill>
@@ -4362,7 +4365,7 @@
           <a:p>
             <a:fld id="{9312A5C8-BD95-49A5-8C32-5A11D6447EED}" type="datetimeFigureOut">
               <a:rPr lang="es-CO" smtClean="0"/>
-              <a:t>13/10/2020</a:t>
+              <a:t>19/10/2020</a:t>
             </a:fld>
             <a:endParaRPr lang="es-CO"/>
           </a:p>
@@ -4675,7 +4678,7 @@
           <a:p>
             <a:fld id="{9312A5C8-BD95-49A5-8C32-5A11D6447EED}" type="datetimeFigureOut">
               <a:rPr lang="es-CO" smtClean="0"/>
-              <a:t>13/10/2020</a:t>
+              <a:t>19/10/2020</a:t>
             </a:fld>
             <a:endParaRPr lang="es-CO"/>
           </a:p>
@@ -4945,7 +4948,7 @@
           <a:p>
             <a:fld id="{9312A5C8-BD95-49A5-8C32-5A11D6447EED}" type="datetimeFigureOut">
               <a:rPr lang="es-CO" smtClean="0"/>
-              <a:t>13/10/2020</a:t>
+              <a:t>19/10/2020</a:t>
             </a:fld>
             <a:endParaRPr lang="es-CO"/>
           </a:p>
@@ -5652,6 +5655,217 @@
       </p:grpSpPr>
       <p:sp>
         <p:nvSpPr>
+          <p:cNvPr id="8" name="Rectángulo 7">
+            <a:extLst>
+              <a:ext uri="{FF2B5EF4-FFF2-40B4-BE49-F238E27FC236}">
+                <a16:creationId xmlns:a16="http://schemas.microsoft.com/office/drawing/2014/main" id="{FCF1D59A-6791-40C2-8F26-FF18BE342AE6}"/>
+              </a:ext>
+            </a:extLst>
+          </p:cNvPr>
+          <p:cNvSpPr/>
+          <p:nvPr/>
+        </p:nvSpPr>
+        <p:spPr>
+          <a:xfrm>
+            <a:off x="5372100" y="129540"/>
+            <a:ext cx="5463540" cy="6179820"/>
+          </a:xfrm>
+          <a:prstGeom prst="rect">
+            <a:avLst/>
+          </a:prstGeom>
+          <a:solidFill>
+            <a:schemeClr val="tx1"/>
+          </a:solidFill>
+        </p:spPr>
+        <p:style>
+          <a:lnRef idx="2">
+            <a:schemeClr val="accent1">
+              <a:shade val="50000"/>
+            </a:schemeClr>
+          </a:lnRef>
+          <a:fillRef idx="1">
+            <a:schemeClr val="accent1"/>
+          </a:fillRef>
+          <a:effectRef idx="0">
+            <a:schemeClr val="accent1"/>
+          </a:effectRef>
+          <a:fontRef idx="minor">
+            <a:schemeClr val="lt1"/>
+          </a:fontRef>
+        </p:style>
+        <p:txBody>
+          <a:bodyPr rtlCol="0" anchor="ctr"/>
+          <a:lstStyle/>
+          <a:p>
+            <a:pPr algn="ctr"/>
+            <a:endParaRPr lang="es-CO"/>
+          </a:p>
+        </p:txBody>
+      </p:sp>
+      <p:sp>
+        <p:nvSpPr>
+          <p:cNvPr id="3" name="Rectángulo 2">
+            <a:extLst>
+              <a:ext uri="{FF2B5EF4-FFF2-40B4-BE49-F238E27FC236}">
+                <a16:creationId xmlns:a16="http://schemas.microsoft.com/office/drawing/2014/main" id="{627CE52B-FE53-4D9D-8914-7BAE945BEFC8}"/>
+              </a:ext>
+            </a:extLst>
+          </p:cNvPr>
+          <p:cNvSpPr/>
+          <p:nvPr/>
+        </p:nvSpPr>
+        <p:spPr>
+          <a:xfrm>
+            <a:off x="184669" y="2302933"/>
+            <a:ext cx="2874619" cy="1794934"/>
+          </a:xfrm>
+          <a:prstGeom prst="rect">
+            <a:avLst/>
+          </a:prstGeom>
+        </p:spPr>
+        <p:style>
+          <a:lnRef idx="2">
+            <a:schemeClr val="accent1">
+              <a:shade val="50000"/>
+            </a:schemeClr>
+          </a:lnRef>
+          <a:fillRef idx="1">
+            <a:schemeClr val="accent1"/>
+          </a:fillRef>
+          <a:effectRef idx="0">
+            <a:schemeClr val="accent1"/>
+          </a:effectRef>
+          <a:fontRef idx="minor">
+            <a:schemeClr val="lt1"/>
+          </a:fontRef>
+        </p:style>
+        <p:txBody>
+          <a:bodyPr rtlCol="0" anchor="ctr"/>
+          <a:lstStyle/>
+          <a:p>
+            <a:pPr algn="ctr"/>
+            <a:r>
+              <a:rPr lang="es-ES" sz="3200" dirty="0"/>
+              <a:t>Diagrama de Despliegue</a:t>
+            </a:r>
+            <a:endParaRPr lang="es-CO" sz="3200" dirty="0"/>
+          </a:p>
+        </p:txBody>
+      </p:sp>
+      <p:pic>
+        <p:nvPicPr>
+          <p:cNvPr id="5" name="Imagen 4">
+            <a:extLst>
+              <a:ext uri="{FF2B5EF4-FFF2-40B4-BE49-F238E27FC236}">
+                <a16:creationId xmlns:a16="http://schemas.microsoft.com/office/drawing/2014/main" id="{96F0CFE5-D481-4C11-863D-62D09188D508}"/>
+              </a:ext>
+            </a:extLst>
+          </p:cNvPr>
+          <p:cNvPicPr>
+            <a:picLocks noChangeAspect="1"/>
+          </p:cNvPicPr>
+          <p:nvPr/>
+        </p:nvPicPr>
+        <p:blipFill>
+          <a:blip r:embed="rId2">
+            <a:extLst>
+              <a:ext uri="{28A0092B-C50C-407E-A947-70E740481C1C}">
+                <a14:useLocalDpi xmlns:a14="http://schemas.microsoft.com/office/drawing/2010/main" val="0"/>
+              </a:ext>
+            </a:extLst>
+          </a:blip>
+          <a:stretch>
+            <a:fillRect/>
+          </a:stretch>
+        </p:blipFill>
+        <p:spPr>
+          <a:xfrm>
+            <a:off x="5486400" y="214901"/>
+            <a:ext cx="5226484" cy="5970997"/>
+          </a:xfrm>
+          <a:prstGeom prst="rect">
+            <a:avLst/>
+          </a:prstGeom>
+        </p:spPr>
+      </p:pic>
+      <p:sp>
+        <p:nvSpPr>
+          <p:cNvPr id="6" name="Flecha: a la derecha 5">
+            <a:extLst>
+              <a:ext uri="{FF2B5EF4-FFF2-40B4-BE49-F238E27FC236}">
+                <a16:creationId xmlns:a16="http://schemas.microsoft.com/office/drawing/2014/main" id="{C5872F1D-9C4B-4717-97F6-AAB495074BBA}"/>
+              </a:ext>
+            </a:extLst>
+          </p:cNvPr>
+          <p:cNvSpPr/>
+          <p:nvPr/>
+        </p:nvSpPr>
+        <p:spPr>
+          <a:xfrm>
+            <a:off x="3307080" y="2727960"/>
+            <a:ext cx="1531620" cy="990600"/>
+          </a:xfrm>
+          <a:prstGeom prst="rightArrow">
+            <a:avLst/>
+          </a:prstGeom>
+        </p:spPr>
+        <p:style>
+          <a:lnRef idx="2">
+            <a:schemeClr val="accent1">
+              <a:shade val="50000"/>
+            </a:schemeClr>
+          </a:lnRef>
+          <a:fillRef idx="1">
+            <a:schemeClr val="accent1"/>
+          </a:fillRef>
+          <a:effectRef idx="0">
+            <a:schemeClr val="accent1"/>
+          </a:effectRef>
+          <a:fontRef idx="minor">
+            <a:schemeClr val="lt1"/>
+          </a:fontRef>
+        </p:style>
+        <p:txBody>
+          <a:bodyPr rtlCol="0" anchor="ctr"/>
+          <a:lstStyle/>
+          <a:p>
+            <a:pPr algn="ctr"/>
+            <a:endParaRPr lang="es-CO"/>
+          </a:p>
+        </p:txBody>
+      </p:sp>
+    </p:spTree>
+    <p:extLst>
+      <p:ext uri="{BB962C8B-B14F-4D97-AF65-F5344CB8AC3E}">
+        <p14:creationId xmlns:p14="http://schemas.microsoft.com/office/powerpoint/2010/main" val="3697180562"/>
+      </p:ext>
+    </p:extLst>
+  </p:cSld>
+  <p:clrMapOvr>
+    <a:masterClrMapping/>
+  </p:clrMapOvr>
+</p:sld>
+</file>
+
+<file path=ppt/slides/slide4.xml><?xml version="1.0" encoding="utf-8"?>
+<p:sld xmlns:a="http://schemas.openxmlformats.org/drawingml/2006/main" xmlns:r="http://schemas.openxmlformats.org/officeDocument/2006/relationships" xmlns:p="http://schemas.openxmlformats.org/presentationml/2006/main">
+  <p:cSld>
+    <p:spTree>
+      <p:nvGrpSpPr>
+        <p:cNvPr id="1" name=""/>
+        <p:cNvGrpSpPr/>
+        <p:nvPr/>
+      </p:nvGrpSpPr>
+      <p:grpSpPr>
+        <a:xfrm>
+          <a:off x="0" y="0"/>
+          <a:ext cx="0" cy="0"/>
+          <a:chOff x="0" y="0"/>
+          <a:chExt cx="0" cy="0"/>
+        </a:xfrm>
+      </p:grpSpPr>
+      <p:sp>
+        <p:nvSpPr>
           <p:cNvPr id="3" name="Rectángulo 2">
             <a:extLst>
               <a:ext uri="{FF2B5EF4-FFF2-40B4-BE49-F238E27FC236}">
@@ -5749,7 +5963,7 @@
 </p:sld>
 </file>
 
-<file path=ppt/slides/slide4.xml><?xml version="1.0" encoding="utf-8"?>
+<file path=ppt/slides/slide5.xml><?xml version="1.0" encoding="utf-8"?>
 <p:sld xmlns:a="http://schemas.openxmlformats.org/drawingml/2006/main" xmlns:r="http://schemas.openxmlformats.org/officeDocument/2006/relationships" xmlns:p="http://schemas.openxmlformats.org/presentationml/2006/main">
   <p:cSld>
     <p:spTree>
@@ -5863,7 +6077,237 @@
 </p:sld>
 </file>
 
-<file path=ppt/slides/slide5.xml><?xml version="1.0" encoding="utf-8"?>
+<file path=ppt/slides/slide6.xml><?xml version="1.0" encoding="utf-8"?>
+<p:sld xmlns:a="http://schemas.openxmlformats.org/drawingml/2006/main" xmlns:r="http://schemas.openxmlformats.org/officeDocument/2006/relationships" xmlns:p="http://schemas.openxmlformats.org/presentationml/2006/main">
+  <p:cSld>
+    <p:spTree>
+      <p:nvGrpSpPr>
+        <p:cNvPr id="1" name=""/>
+        <p:cNvGrpSpPr/>
+        <p:nvPr/>
+      </p:nvGrpSpPr>
+      <p:grpSpPr>
+        <a:xfrm>
+          <a:off x="0" y="0"/>
+          <a:ext cx="0" cy="0"/>
+          <a:chOff x="0" y="0"/>
+          <a:chExt cx="0" cy="0"/>
+        </a:xfrm>
+      </p:grpSpPr>
+      <p:pic>
+        <p:nvPicPr>
+          <p:cNvPr id="2" name="Imagen 1">
+            <a:extLst>
+              <a:ext uri="{FF2B5EF4-FFF2-40B4-BE49-F238E27FC236}">
+                <a16:creationId xmlns:a16="http://schemas.microsoft.com/office/drawing/2014/main" id="{2927AD3D-B2ED-4EBB-A557-03D84A286580}"/>
+              </a:ext>
+            </a:extLst>
+          </p:cNvPr>
+          <p:cNvPicPr>
+            <a:picLocks noChangeAspect="1"/>
+          </p:cNvPicPr>
+          <p:nvPr/>
+        </p:nvPicPr>
+        <p:blipFill>
+          <a:blip r:embed="rId2"/>
+          <a:stretch>
+            <a:fillRect/>
+          </a:stretch>
+        </p:blipFill>
+        <p:spPr>
+          <a:xfrm>
+            <a:off x="565785" y="2074545"/>
+            <a:ext cx="10572750" cy="4095750"/>
+          </a:xfrm>
+          <a:prstGeom prst="rect">
+            <a:avLst/>
+          </a:prstGeom>
+        </p:spPr>
+      </p:pic>
+      <p:sp>
+        <p:nvSpPr>
+          <p:cNvPr id="4" name="Rectángulo 3">
+            <a:extLst>
+              <a:ext uri="{FF2B5EF4-FFF2-40B4-BE49-F238E27FC236}">
+                <a16:creationId xmlns:a16="http://schemas.microsoft.com/office/drawing/2014/main" id="{48571D5F-608D-47B2-AC0F-37728D061E23}"/>
+              </a:ext>
+            </a:extLst>
+          </p:cNvPr>
+          <p:cNvSpPr/>
+          <p:nvPr/>
+        </p:nvSpPr>
+        <p:spPr>
+          <a:xfrm>
+            <a:off x="4472938" y="444534"/>
+            <a:ext cx="3535681" cy="1630011"/>
+          </a:xfrm>
+          <a:prstGeom prst="rect">
+            <a:avLst/>
+          </a:prstGeom>
+        </p:spPr>
+        <p:style>
+          <a:lnRef idx="2">
+            <a:schemeClr val="accent1">
+              <a:shade val="50000"/>
+            </a:schemeClr>
+          </a:lnRef>
+          <a:fillRef idx="1">
+            <a:schemeClr val="accent1"/>
+          </a:fillRef>
+          <a:effectRef idx="0">
+            <a:schemeClr val="accent1"/>
+          </a:effectRef>
+          <a:fontRef idx="minor">
+            <a:schemeClr val="lt1"/>
+          </a:fontRef>
+        </p:style>
+        <p:txBody>
+          <a:bodyPr rtlCol="0" anchor="ctr"/>
+          <a:lstStyle/>
+          <a:p>
+            <a:pPr algn="ctr"/>
+            <a:r>
+              <a:rPr lang="es-ES" sz="3200" dirty="0"/>
+              <a:t>Grados de dependencia</a:t>
+            </a:r>
+            <a:endParaRPr lang="es-CO" sz="3200" dirty="0"/>
+          </a:p>
+        </p:txBody>
+      </p:sp>
+    </p:spTree>
+    <p:extLst>
+      <p:ext uri="{BB962C8B-B14F-4D97-AF65-F5344CB8AC3E}">
+        <p14:creationId xmlns:p14="http://schemas.microsoft.com/office/powerpoint/2010/main" val="1219284681"/>
+      </p:ext>
+    </p:extLst>
+  </p:cSld>
+  <p:clrMapOvr>
+    <a:masterClrMapping/>
+  </p:clrMapOvr>
+</p:sld>
+</file>
+
+<file path=ppt/slides/slide7.xml><?xml version="1.0" encoding="utf-8"?>
+<p:sld xmlns:a="http://schemas.openxmlformats.org/drawingml/2006/main" xmlns:r="http://schemas.openxmlformats.org/officeDocument/2006/relationships" xmlns:p="http://schemas.openxmlformats.org/presentationml/2006/main">
+  <p:cSld>
+    <p:spTree>
+      <p:nvGrpSpPr>
+        <p:cNvPr id="1" name=""/>
+        <p:cNvGrpSpPr/>
+        <p:nvPr/>
+      </p:nvGrpSpPr>
+      <p:grpSpPr>
+        <a:xfrm>
+          <a:off x="0" y="0"/>
+          <a:ext cx="0" cy="0"/>
+          <a:chOff x="0" y="0"/>
+          <a:chExt cx="0" cy="0"/>
+        </a:xfrm>
+      </p:grpSpPr>
+      <p:pic>
+        <p:nvPicPr>
+          <p:cNvPr id="3" name="Imagen 2">
+            <a:extLst>
+              <a:ext uri="{FF2B5EF4-FFF2-40B4-BE49-F238E27FC236}">
+                <a16:creationId xmlns:a16="http://schemas.microsoft.com/office/drawing/2014/main" id="{BBAB2BB1-BFF6-4B16-AE1D-4C1B7B83A465}"/>
+              </a:ext>
+            </a:extLst>
+          </p:cNvPr>
+          <p:cNvPicPr>
+            <a:picLocks noChangeAspect="1"/>
+          </p:cNvPicPr>
+          <p:nvPr/>
+        </p:nvPicPr>
+        <p:blipFill>
+          <a:blip r:embed="rId2">
+            <a:extLst>
+              <a:ext uri="{28A0092B-C50C-407E-A947-70E740481C1C}">
+                <a14:useLocalDpi xmlns:a14="http://schemas.microsoft.com/office/drawing/2010/main" val="0"/>
+              </a:ext>
+            </a:extLst>
+          </a:blip>
+          <a:stretch>
+            <a:fillRect/>
+          </a:stretch>
+        </p:blipFill>
+        <p:spPr>
+          <a:xfrm>
+            <a:off x="678178" y="115961"/>
+            <a:ext cx="11228663" cy="6626077"/>
+          </a:xfrm>
+          <a:prstGeom prst="rect">
+            <a:avLst/>
+          </a:prstGeom>
+        </p:spPr>
+      </p:pic>
+      <p:sp>
+        <p:nvSpPr>
+          <p:cNvPr id="7" name="Rectángulo 6">
+            <a:extLst>
+              <a:ext uri="{FF2B5EF4-FFF2-40B4-BE49-F238E27FC236}">
+                <a16:creationId xmlns:a16="http://schemas.microsoft.com/office/drawing/2014/main" id="{6C92B28D-99AA-438E-AB5F-5598359A0A79}"/>
+              </a:ext>
+            </a:extLst>
+          </p:cNvPr>
+          <p:cNvSpPr/>
+          <p:nvPr/>
+        </p:nvSpPr>
+        <p:spPr>
+          <a:xfrm>
+            <a:off x="173353" y="5112027"/>
+            <a:ext cx="3535681" cy="1630011"/>
+          </a:xfrm>
+          <a:prstGeom prst="rect">
+            <a:avLst/>
+          </a:prstGeom>
+        </p:spPr>
+        <p:style>
+          <a:lnRef idx="2">
+            <a:schemeClr val="accent1">
+              <a:shade val="50000"/>
+            </a:schemeClr>
+          </a:lnRef>
+          <a:fillRef idx="1">
+            <a:schemeClr val="accent1"/>
+          </a:fillRef>
+          <a:effectRef idx="0">
+            <a:schemeClr val="accent1"/>
+          </a:effectRef>
+          <a:fontRef idx="minor">
+            <a:schemeClr val="lt1"/>
+          </a:fontRef>
+        </p:style>
+        <p:txBody>
+          <a:bodyPr rtlCol="0" anchor="ctr"/>
+          <a:lstStyle/>
+          <a:p>
+            <a:pPr algn="ctr"/>
+            <a:r>
+              <a:rPr lang="es-ES" sz="3200" dirty="0"/>
+              <a:t>Diagrama de </a:t>
+            </a:r>
+            <a:r>
+              <a:rPr lang="es-ES" sz="3200" dirty="0" err="1"/>
+              <a:t>Modulos</a:t>
+            </a:r>
+            <a:endParaRPr lang="es-CO" sz="3200" dirty="0"/>
+          </a:p>
+        </p:txBody>
+      </p:sp>
+    </p:spTree>
+    <p:extLst>
+      <p:ext uri="{BB962C8B-B14F-4D97-AF65-F5344CB8AC3E}">
+        <p14:creationId xmlns:p14="http://schemas.microsoft.com/office/powerpoint/2010/main" val="2255366406"/>
+      </p:ext>
+    </p:extLst>
+  </p:cSld>
+  <p:clrMapOvr>
+    <a:masterClrMapping/>
+  </p:clrMapOvr>
+</p:sld>
+</file>
+
+<file path=ppt/slides/slide8.xml><?xml version="1.0" encoding="utf-8"?>
 <p:sld xmlns:a="http://schemas.openxmlformats.org/drawingml/2006/main" xmlns:r="http://schemas.openxmlformats.org/officeDocument/2006/relationships" xmlns:p="http://schemas.openxmlformats.org/presentationml/2006/main">
   <p:cSld>
     <p:spTree>
@@ -6099,7 +6543,7 @@
 </p:sld>
 </file>
 
-<file path=ppt/slides/slide6.xml><?xml version="1.0" encoding="utf-8"?>
+<file path=ppt/slides/slide9.xml><?xml version="1.0" encoding="utf-8"?>
 <p:sld xmlns:a="http://schemas.openxmlformats.org/drawingml/2006/main" xmlns:r="http://schemas.openxmlformats.org/officeDocument/2006/relationships" xmlns:p="http://schemas.openxmlformats.org/presentationml/2006/main">
   <p:cSld>
     <p:spTree>

--- a/Docs/Appausa 3.0.pptx
+++ b/Docs/Appausa 3.0.pptx
@@ -14,6 +14,7 @@
     <p:sldId id="264" r:id="rId8"/>
     <p:sldId id="260" r:id="rId9"/>
     <p:sldId id="261" r:id="rId10"/>
+    <p:sldId id="265" r:id="rId11"/>
   </p:sldIdLst>
   <p:sldSz cx="12192000" cy="6858000"/>
   <p:notesSz cx="6858000" cy="9144000"/>
@@ -407,7 +408,7 @@
           <a:p>
             <a:fld id="{9312A5C8-BD95-49A5-8C32-5A11D6447EED}" type="datetimeFigureOut">
               <a:rPr lang="es-CO" smtClean="0"/>
-              <a:t>19/10/2020</a:t>
+              <a:t>20/10/2020</a:t>
             </a:fld>
             <a:endParaRPr lang="es-CO"/>
           </a:p>
@@ -725,7 +726,7 @@
           <a:p>
             <a:fld id="{9312A5C8-BD95-49A5-8C32-5A11D6447EED}" type="datetimeFigureOut">
               <a:rPr lang="es-CO" smtClean="0"/>
-              <a:t>19/10/2020</a:t>
+              <a:t>20/10/2020</a:t>
             </a:fld>
             <a:endParaRPr lang="es-CO"/>
           </a:p>
@@ -1213,7 +1214,7 @@
           <a:p>
             <a:fld id="{9312A5C8-BD95-49A5-8C32-5A11D6447EED}" type="datetimeFigureOut">
               <a:rPr lang="es-CO" smtClean="0"/>
-              <a:t>19/10/2020</a:t>
+              <a:t>20/10/2020</a:t>
             </a:fld>
             <a:endParaRPr lang="es-CO"/>
           </a:p>
@@ -1582,7 +1583,7 @@
           <a:p>
             <a:fld id="{9312A5C8-BD95-49A5-8C32-5A11D6447EED}" type="datetimeFigureOut">
               <a:rPr lang="es-CO" smtClean="0"/>
-              <a:t>19/10/2020</a:t>
+              <a:t>20/10/2020</a:t>
             </a:fld>
             <a:endParaRPr lang="es-CO"/>
           </a:p>
@@ -1855,7 +1856,7 @@
           <a:p>
             <a:fld id="{9312A5C8-BD95-49A5-8C32-5A11D6447EED}" type="datetimeFigureOut">
               <a:rPr lang="es-CO" smtClean="0"/>
-              <a:t>19/10/2020</a:t>
+              <a:t>20/10/2020</a:t>
             </a:fld>
             <a:endParaRPr lang="es-CO"/>
           </a:p>
@@ -2140,7 +2141,7 @@
           <a:p>
             <a:fld id="{9312A5C8-BD95-49A5-8C32-5A11D6447EED}" type="datetimeFigureOut">
               <a:rPr lang="es-CO" smtClean="0"/>
-              <a:t>19/10/2020</a:t>
+              <a:t>20/10/2020</a:t>
             </a:fld>
             <a:endParaRPr lang="es-CO"/>
           </a:p>
@@ -2423,7 +2424,7 @@
           <a:p>
             <a:fld id="{9312A5C8-BD95-49A5-8C32-5A11D6447EED}" type="datetimeFigureOut">
               <a:rPr lang="es-CO" smtClean="0"/>
-              <a:t>19/10/2020</a:t>
+              <a:t>20/10/2020</a:t>
             </a:fld>
             <a:endParaRPr lang="es-CO"/>
           </a:p>
@@ -2766,7 +2767,7 @@
           <a:p>
             <a:fld id="{9312A5C8-BD95-49A5-8C32-5A11D6447EED}" type="datetimeFigureOut">
               <a:rPr lang="es-CO" smtClean="0"/>
-              <a:t>19/10/2020</a:t>
+              <a:t>20/10/2020</a:t>
             </a:fld>
             <a:endParaRPr lang="es-CO"/>
           </a:p>
@@ -3105,7 +3106,7 @@
           <a:p>
             <a:fld id="{9312A5C8-BD95-49A5-8C32-5A11D6447EED}" type="datetimeFigureOut">
               <a:rPr lang="es-CO" smtClean="0"/>
-              <a:t>19/10/2020</a:t>
+              <a:t>20/10/2020</a:t>
             </a:fld>
             <a:endParaRPr lang="es-CO"/>
           </a:p>
@@ -3582,7 +3583,7 @@
           <a:p>
             <a:fld id="{9312A5C8-BD95-49A5-8C32-5A11D6447EED}" type="datetimeFigureOut">
               <a:rPr lang="es-CO" smtClean="0"/>
-              <a:t>19/10/2020</a:t>
+              <a:t>20/10/2020</a:t>
             </a:fld>
             <a:endParaRPr lang="es-CO"/>
           </a:p>
@@ -3803,7 +3804,7 @@
           <a:p>
             <a:fld id="{9312A5C8-BD95-49A5-8C32-5A11D6447EED}" type="datetimeFigureOut">
               <a:rPr lang="es-CO" smtClean="0"/>
-              <a:t>19/10/2020</a:t>
+              <a:t>20/10/2020</a:t>
             </a:fld>
             <a:endParaRPr lang="es-CO"/>
           </a:p>
@@ -3898,7 +3899,7 @@
           <a:p>
             <a:fld id="{9312A5C8-BD95-49A5-8C32-5A11D6447EED}" type="datetimeFigureOut">
               <a:rPr lang="es-CO" smtClean="0"/>
-              <a:t>19/10/2020</a:t>
+              <a:t>20/10/2020</a:t>
             </a:fld>
             <a:endParaRPr lang="es-CO"/>
           </a:p>
@@ -4365,7 +4366,7 @@
           <a:p>
             <a:fld id="{9312A5C8-BD95-49A5-8C32-5A11D6447EED}" type="datetimeFigureOut">
               <a:rPr lang="es-CO" smtClean="0"/>
-              <a:t>19/10/2020</a:t>
+              <a:t>20/10/2020</a:t>
             </a:fld>
             <a:endParaRPr lang="es-CO"/>
           </a:p>
@@ -4678,7 +4679,7 @@
           <a:p>
             <a:fld id="{9312A5C8-BD95-49A5-8C32-5A11D6447EED}" type="datetimeFigureOut">
               <a:rPr lang="es-CO" smtClean="0"/>
-              <a:t>19/10/2020</a:t>
+              <a:t>20/10/2020</a:t>
             </a:fld>
             <a:endParaRPr lang="es-CO"/>
           </a:p>
@@ -4948,7 +4949,7 @@
           <a:p>
             <a:fld id="{9312A5C8-BD95-49A5-8C32-5A11D6447EED}" type="datetimeFigureOut">
               <a:rPr lang="es-CO" smtClean="0"/>
-              <a:t>19/10/2020</a:t>
+              <a:t>20/10/2020</a:t>
             </a:fld>
             <a:endParaRPr lang="es-CO"/>
           </a:p>
@@ -5521,6 +5522,98 @@
 </p:sld>
 </file>
 
+<file path=ppt/slides/slide10.xml><?xml version="1.0" encoding="utf-8"?>
+<p:sld xmlns:a="http://schemas.openxmlformats.org/drawingml/2006/main" xmlns:r="http://schemas.openxmlformats.org/officeDocument/2006/relationships" xmlns:p="http://schemas.openxmlformats.org/presentationml/2006/main">
+  <p:cSld>
+    <p:spTree>
+      <p:nvGrpSpPr>
+        <p:cNvPr id="1" name=""/>
+        <p:cNvGrpSpPr/>
+        <p:nvPr/>
+      </p:nvGrpSpPr>
+      <p:grpSpPr>
+        <a:xfrm>
+          <a:off x="0" y="0"/>
+          <a:ext cx="0" cy="0"/>
+          <a:chOff x="0" y="0"/>
+          <a:chExt cx="0" cy="0"/>
+        </a:xfrm>
+      </p:grpSpPr>
+      <p:sp>
+        <p:nvSpPr>
+          <p:cNvPr id="2" name="Título 1">
+            <a:extLst>
+              <a:ext uri="{FF2B5EF4-FFF2-40B4-BE49-F238E27FC236}">
+                <a16:creationId xmlns:a16="http://schemas.microsoft.com/office/drawing/2014/main" id="{C3C091ED-E46E-4E30-8E2E-9F67675552DD}"/>
+              </a:ext>
+            </a:extLst>
+          </p:cNvPr>
+          <p:cNvSpPr>
+            <a:spLocks noGrp="1"/>
+          </p:cNvSpPr>
+          <p:nvPr>
+            <p:ph type="title"/>
+          </p:nvPr>
+        </p:nvSpPr>
+        <p:spPr/>
+        <p:txBody>
+          <a:bodyPr anchor="ctr"/>
+          <a:lstStyle/>
+          <a:p>
+            <a:r>
+              <a:rPr lang="es-CO" dirty="0">
+                <a:hlinkClick r:id="rId2" action="ppaction://hlinkfile"/>
+              </a:rPr>
+              <a:t>Documento</a:t>
+            </a:r>
+            <a:endParaRPr lang="es-CO" dirty="0"/>
+          </a:p>
+        </p:txBody>
+      </p:sp>
+      <p:sp>
+        <p:nvSpPr>
+          <p:cNvPr id="3" name="Marcador de texto 2">
+            <a:extLst>
+              <a:ext uri="{FF2B5EF4-FFF2-40B4-BE49-F238E27FC236}">
+                <a16:creationId xmlns:a16="http://schemas.microsoft.com/office/drawing/2014/main" id="{C70641D2-F86D-4C86-A705-91C00F97B252}"/>
+              </a:ext>
+            </a:extLst>
+          </p:cNvPr>
+          <p:cNvSpPr>
+            <a:spLocks noGrp="1"/>
+          </p:cNvSpPr>
+          <p:nvPr>
+            <p:ph type="body" sz="quarter" idx="16"/>
+          </p:nvPr>
+        </p:nvSpPr>
+        <p:spPr/>
+        <p:txBody>
+          <a:bodyPr anchor="ctr"/>
+          <a:lstStyle/>
+          <a:p>
+            <a:r>
+              <a:rPr lang="es-CO" dirty="0">
+                <a:hlinkClick r:id="rId3" action="ppaction://hlinkfile"/>
+              </a:rPr>
+              <a:t>Diccionario</a:t>
+            </a:r>
+            <a:endParaRPr lang="es-CO" dirty="0"/>
+          </a:p>
+        </p:txBody>
+      </p:sp>
+    </p:spTree>
+    <p:extLst>
+      <p:ext uri="{BB962C8B-B14F-4D97-AF65-F5344CB8AC3E}">
+        <p14:creationId xmlns:p14="http://schemas.microsoft.com/office/powerpoint/2010/main" val="2274358418"/>
+      </p:ext>
+    </p:extLst>
+  </p:cSld>
+  <p:clrMapOvr>
+    <a:masterClrMapping/>
+  </p:clrMapOvr>
+</p:sld>
+</file>
+
 <file path=ppt/slides/slide2.xml><?xml version="1.0" encoding="utf-8"?>
 <p:sld xmlns:a="http://schemas.openxmlformats.org/drawingml/2006/main" xmlns:r="http://schemas.openxmlformats.org/officeDocument/2006/relationships" xmlns:p="http://schemas.openxmlformats.org/presentationml/2006/main">
   <p:cSld>

--- a/Docs/Appausa 3.0.pptx
+++ b/Docs/Appausa 3.0.pptx
@@ -12,9 +12,11 @@
     <p:sldId id="258" r:id="rId6"/>
     <p:sldId id="263" r:id="rId7"/>
     <p:sldId id="264" r:id="rId8"/>
-    <p:sldId id="260" r:id="rId9"/>
-    <p:sldId id="261" r:id="rId10"/>
-    <p:sldId id="265" r:id="rId11"/>
+    <p:sldId id="266" r:id="rId9"/>
+    <p:sldId id="267" r:id="rId10"/>
+    <p:sldId id="260" r:id="rId11"/>
+    <p:sldId id="261" r:id="rId12"/>
+    <p:sldId id="265" r:id="rId13"/>
   </p:sldIdLst>
   <p:sldSz cx="12192000" cy="6858000"/>
   <p:notesSz cx="6858000" cy="9144000"/>
@@ -216,7 +218,7 @@
           <a:effectLst/>
           <a:extLst>
             <a:ext uri="{91240B29-F687-4f45-9708-019B960494DF}">
-              <a14:hiddenLine xmlns:a14="http://schemas.microsoft.com/office/drawing/2010/main" xmlns="" w="9525">
+              <a14:hiddenLine xmlns="" xmlns:a14="http://schemas.microsoft.com/office/drawing/2010/main" w="9525">
                 <a:solidFill>
                   <a:srgbClr val="000000"/>
                 </a:solidFill>
@@ -408,7 +410,7 @@
           <a:p>
             <a:fld id="{9312A5C8-BD95-49A5-8C32-5A11D6447EED}" type="datetimeFigureOut">
               <a:rPr lang="es-CO" smtClean="0"/>
-              <a:t>20/10/2020</a:t>
+              <a:t>9/11/2020</a:t>
             </a:fld>
             <a:endParaRPr lang="es-CO"/>
           </a:p>
@@ -726,7 +728,7 @@
           <a:p>
             <a:fld id="{9312A5C8-BD95-49A5-8C32-5A11D6447EED}" type="datetimeFigureOut">
               <a:rPr lang="es-CO" smtClean="0"/>
-              <a:t>20/10/2020</a:t>
+              <a:t>9/11/2020</a:t>
             </a:fld>
             <a:endParaRPr lang="es-CO"/>
           </a:p>
@@ -1214,7 +1216,7 @@
           <a:p>
             <a:fld id="{9312A5C8-BD95-49A5-8C32-5A11D6447EED}" type="datetimeFigureOut">
               <a:rPr lang="es-CO" smtClean="0"/>
-              <a:t>20/10/2020</a:t>
+              <a:t>9/11/2020</a:t>
             </a:fld>
             <a:endParaRPr lang="es-CO"/>
           </a:p>
@@ -1583,7 +1585,7 @@
           <a:p>
             <a:fld id="{9312A5C8-BD95-49A5-8C32-5A11D6447EED}" type="datetimeFigureOut">
               <a:rPr lang="es-CO" smtClean="0"/>
-              <a:t>20/10/2020</a:t>
+              <a:t>9/11/2020</a:t>
             </a:fld>
             <a:endParaRPr lang="es-CO"/>
           </a:p>
@@ -1738,7 +1740,7 @@
           <a:ln/>
           <a:extLst>
             <a:ext uri="{91240B29-F687-4f45-9708-019B960494DF}">
-              <a14:hiddenLine xmlns:a14="http://schemas.microsoft.com/office/drawing/2010/main" xmlns="" w="9525">
+              <a14:hiddenLine xmlns="" xmlns:a14="http://schemas.microsoft.com/office/drawing/2010/main" w="9525">
                 <a:solidFill>
                   <a:srgbClr val="000000"/>
                 </a:solidFill>
@@ -1856,7 +1858,7 @@
           <a:p>
             <a:fld id="{9312A5C8-BD95-49A5-8C32-5A11D6447EED}" type="datetimeFigureOut">
               <a:rPr lang="es-CO" smtClean="0"/>
-              <a:t>20/10/2020</a:t>
+              <a:t>9/11/2020</a:t>
             </a:fld>
             <a:endParaRPr lang="es-CO"/>
           </a:p>
@@ -2013,7 +2015,7 @@
           <a:ln/>
           <a:extLst>
             <a:ext uri="{91240B29-F687-4f45-9708-019B960494DF}">
-              <a14:hiddenLine xmlns:a14="http://schemas.microsoft.com/office/drawing/2010/main" xmlns="" w="9525">
+              <a14:hiddenLine xmlns="" xmlns:a14="http://schemas.microsoft.com/office/drawing/2010/main" w="9525">
                 <a:solidFill>
                   <a:srgbClr val="000000"/>
                 </a:solidFill>
@@ -2141,7 +2143,7 @@
           <a:p>
             <a:fld id="{9312A5C8-BD95-49A5-8C32-5A11D6447EED}" type="datetimeFigureOut">
               <a:rPr lang="es-CO" smtClean="0"/>
-              <a:t>20/10/2020</a:t>
+              <a:t>9/11/2020</a:t>
             </a:fld>
             <a:endParaRPr lang="es-CO"/>
           </a:p>
@@ -2296,7 +2298,7 @@
           <a:ln/>
           <a:extLst>
             <a:ext uri="{91240B29-F687-4f45-9708-019B960494DF}">
-              <a14:hiddenLine xmlns:a14="http://schemas.microsoft.com/office/drawing/2010/main" xmlns="" w="9525">
+              <a14:hiddenLine xmlns="" xmlns:a14="http://schemas.microsoft.com/office/drawing/2010/main" w="9525">
                 <a:solidFill>
                   <a:srgbClr val="000000"/>
                 </a:solidFill>
@@ -2424,7 +2426,7 @@
           <a:p>
             <a:fld id="{9312A5C8-BD95-49A5-8C32-5A11D6447EED}" type="datetimeFigureOut">
               <a:rPr lang="es-CO" smtClean="0"/>
-              <a:t>20/10/2020</a:t>
+              <a:t>9/11/2020</a:t>
             </a:fld>
             <a:endParaRPr lang="es-CO"/>
           </a:p>
@@ -2767,7 +2769,7 @@
           <a:p>
             <a:fld id="{9312A5C8-BD95-49A5-8C32-5A11D6447EED}" type="datetimeFigureOut">
               <a:rPr lang="es-CO" smtClean="0"/>
-              <a:t>20/10/2020</a:t>
+              <a:t>9/11/2020</a:t>
             </a:fld>
             <a:endParaRPr lang="es-CO"/>
           </a:p>
@@ -2922,7 +2924,7 @@
           <a:ln/>
           <a:extLst>
             <a:ext uri="{91240B29-F687-4f45-9708-019B960494DF}">
-              <a14:hiddenLine xmlns:a14="http://schemas.microsoft.com/office/drawing/2010/main" xmlns="" w="9525">
+              <a14:hiddenLine xmlns="" xmlns:a14="http://schemas.microsoft.com/office/drawing/2010/main" w="9525">
                 <a:solidFill>
                   <a:srgbClr val="000000"/>
                 </a:solidFill>
@@ -3106,7 +3108,7 @@
           <a:p>
             <a:fld id="{9312A5C8-BD95-49A5-8C32-5A11D6447EED}" type="datetimeFigureOut">
               <a:rPr lang="es-CO" smtClean="0"/>
-              <a:t>20/10/2020</a:t>
+              <a:t>9/11/2020</a:t>
             </a:fld>
             <a:endParaRPr lang="es-CO"/>
           </a:p>
@@ -3261,7 +3263,7 @@
           <a:ln/>
           <a:extLst>
             <a:ext uri="{91240B29-F687-4f45-9708-019B960494DF}">
-              <a14:hiddenLine xmlns:a14="http://schemas.microsoft.com/office/drawing/2010/main" xmlns="" w="9525">
+              <a14:hiddenLine xmlns="" xmlns:a14="http://schemas.microsoft.com/office/drawing/2010/main" w="9525">
                 <a:solidFill>
                   <a:srgbClr val="000000"/>
                 </a:solidFill>
@@ -3583,7 +3585,7 @@
           <a:p>
             <a:fld id="{9312A5C8-BD95-49A5-8C32-5A11D6447EED}" type="datetimeFigureOut">
               <a:rPr lang="es-CO" smtClean="0"/>
-              <a:t>20/10/2020</a:t>
+              <a:t>9/11/2020</a:t>
             </a:fld>
             <a:endParaRPr lang="es-CO"/>
           </a:p>
@@ -3738,7 +3740,7 @@
           <a:ln/>
           <a:extLst>
             <a:ext uri="{91240B29-F687-4f45-9708-019B960494DF}">
-              <a14:hiddenLine xmlns:a14="http://schemas.microsoft.com/office/drawing/2010/main" xmlns="" w="9525">
+              <a14:hiddenLine xmlns="" xmlns:a14="http://schemas.microsoft.com/office/drawing/2010/main" w="9525">
                 <a:solidFill>
                   <a:srgbClr val="000000"/>
                 </a:solidFill>
@@ -3804,7 +3806,7 @@
           <a:p>
             <a:fld id="{9312A5C8-BD95-49A5-8C32-5A11D6447EED}" type="datetimeFigureOut">
               <a:rPr lang="es-CO" smtClean="0"/>
-              <a:t>20/10/2020</a:t>
+              <a:t>9/11/2020</a:t>
             </a:fld>
             <a:endParaRPr lang="es-CO"/>
           </a:p>
@@ -3899,7 +3901,7 @@
           <a:p>
             <a:fld id="{9312A5C8-BD95-49A5-8C32-5A11D6447EED}" type="datetimeFigureOut">
               <a:rPr lang="es-CO" smtClean="0"/>
-              <a:t>20/10/2020</a:t>
+              <a:t>9/11/2020</a:t>
             </a:fld>
             <a:endParaRPr lang="es-CO"/>
           </a:p>
@@ -4167,7 +4169,7 @@
           <a:ln/>
           <a:extLst>
             <a:ext uri="{91240B29-F687-4f45-9708-019B960494DF}">
-              <a14:hiddenLine xmlns:a14="http://schemas.microsoft.com/office/drawing/2010/main" xmlns="" w="9525">
+              <a14:hiddenLine xmlns="" xmlns:a14="http://schemas.microsoft.com/office/drawing/2010/main" w="9525">
                 <a:solidFill>
                   <a:srgbClr val="000000"/>
                 </a:solidFill>
@@ -4366,7 +4368,7 @@
           <a:p>
             <a:fld id="{9312A5C8-BD95-49A5-8C32-5A11D6447EED}" type="datetimeFigureOut">
               <a:rPr lang="es-CO" smtClean="0"/>
-              <a:t>20/10/2020</a:t>
+              <a:t>9/11/2020</a:t>
             </a:fld>
             <a:endParaRPr lang="es-CO"/>
           </a:p>
@@ -4679,7 +4681,7 @@
           <a:p>
             <a:fld id="{9312A5C8-BD95-49A5-8C32-5A11D6447EED}" type="datetimeFigureOut">
               <a:rPr lang="es-CO" smtClean="0"/>
-              <a:t>20/10/2020</a:t>
+              <a:t>9/11/2020</a:t>
             </a:fld>
             <a:endParaRPr lang="es-CO"/>
           </a:p>
@@ -4949,7 +4951,7 @@
           <a:p>
             <a:fld id="{9312A5C8-BD95-49A5-8C32-5A11D6447EED}" type="datetimeFigureOut">
               <a:rPr lang="es-CO" smtClean="0"/>
-              <a:t>20/10/2020</a:t>
+              <a:t>9/11/2020</a:t>
             </a:fld>
             <a:endParaRPr lang="es-CO"/>
           </a:p>
@@ -5539,6 +5541,352 @@
           <a:chExt cx="0" cy="0"/>
         </a:xfrm>
       </p:grpSpPr>
+      <p:pic>
+        <p:nvPicPr>
+          <p:cNvPr id="3" name="Imagen 2">
+            <a:extLst>
+              <a:ext uri="{FF2B5EF4-FFF2-40B4-BE49-F238E27FC236}">
+                <a16:creationId xmlns:a16="http://schemas.microsoft.com/office/drawing/2014/main" id="{EF5298D4-794F-44CC-8276-9B0D4BC6A16A}"/>
+              </a:ext>
+            </a:extLst>
+          </p:cNvPr>
+          <p:cNvPicPr>
+            <a:picLocks noChangeAspect="1"/>
+          </p:cNvPicPr>
+          <p:nvPr/>
+        </p:nvPicPr>
+        <p:blipFill>
+          <a:blip r:embed="rId2"/>
+          <a:stretch>
+            <a:fillRect/>
+          </a:stretch>
+        </p:blipFill>
+        <p:spPr>
+          <a:xfrm>
+            <a:off x="8512518" y="170678"/>
+            <a:ext cx="3371850" cy="6038850"/>
+          </a:xfrm>
+          <a:prstGeom prst="rect">
+            <a:avLst/>
+          </a:prstGeom>
+        </p:spPr>
+      </p:pic>
+      <p:sp>
+        <p:nvSpPr>
+          <p:cNvPr id="5" name="Rectángulo 4">
+            <a:extLst>
+              <a:ext uri="{FF2B5EF4-FFF2-40B4-BE49-F238E27FC236}">
+                <a16:creationId xmlns:a16="http://schemas.microsoft.com/office/drawing/2014/main" id="{07DF1E73-C4EE-4B4D-BF1E-6B4849BB343B}"/>
+              </a:ext>
+            </a:extLst>
+          </p:cNvPr>
+          <p:cNvSpPr/>
+          <p:nvPr/>
+        </p:nvSpPr>
+        <p:spPr>
+          <a:xfrm>
+            <a:off x="535459" y="834619"/>
+            <a:ext cx="2729895" cy="1630011"/>
+          </a:xfrm>
+          <a:prstGeom prst="rect">
+            <a:avLst/>
+          </a:prstGeom>
+        </p:spPr>
+        <p:style>
+          <a:lnRef idx="2">
+            <a:schemeClr val="accent1">
+              <a:shade val="50000"/>
+            </a:schemeClr>
+          </a:lnRef>
+          <a:fillRef idx="1">
+            <a:schemeClr val="accent1"/>
+          </a:fillRef>
+          <a:effectRef idx="0">
+            <a:schemeClr val="accent1"/>
+          </a:effectRef>
+          <a:fontRef idx="minor">
+            <a:schemeClr val="lt1"/>
+          </a:fontRef>
+        </p:style>
+        <p:txBody>
+          <a:bodyPr rtlCol="0" anchor="ctr"/>
+          <a:lstStyle/>
+          <a:p>
+            <a:pPr algn="ctr"/>
+            <a:r>
+              <a:rPr lang="es-ES" sz="3200" dirty="0"/>
+              <a:t>Estructura del Proyecto</a:t>
+            </a:r>
+            <a:endParaRPr lang="es-CO" sz="3200" dirty="0"/>
+          </a:p>
+        </p:txBody>
+      </p:sp>
+      <p:sp>
+        <p:nvSpPr>
+          <p:cNvPr id="6" name="Flecha: a la derecha 5">
+            <a:extLst>
+              <a:ext uri="{FF2B5EF4-FFF2-40B4-BE49-F238E27FC236}">
+                <a16:creationId xmlns:a16="http://schemas.microsoft.com/office/drawing/2014/main" id="{E0083BB7-EA4F-4BBC-9F6B-15910344BAD9}"/>
+              </a:ext>
+            </a:extLst>
+          </p:cNvPr>
+          <p:cNvSpPr/>
+          <p:nvPr/>
+        </p:nvSpPr>
+        <p:spPr>
+          <a:xfrm>
+            <a:off x="7101016" y="4764327"/>
+            <a:ext cx="1411502" cy="1260389"/>
+          </a:xfrm>
+          <a:prstGeom prst="rightArrow">
+            <a:avLst/>
+          </a:prstGeom>
+        </p:spPr>
+        <p:style>
+          <a:lnRef idx="2">
+            <a:schemeClr val="accent1">
+              <a:shade val="50000"/>
+            </a:schemeClr>
+          </a:lnRef>
+          <a:fillRef idx="1">
+            <a:schemeClr val="accent1"/>
+          </a:fillRef>
+          <a:effectRef idx="0">
+            <a:schemeClr val="accent1"/>
+          </a:effectRef>
+          <a:fontRef idx="minor">
+            <a:schemeClr val="lt1"/>
+          </a:fontRef>
+        </p:style>
+        <p:txBody>
+          <a:bodyPr rtlCol="0" anchor="ctr"/>
+          <a:lstStyle/>
+          <a:p>
+            <a:pPr algn="ctr"/>
+            <a:endParaRPr lang="es-CO"/>
+          </a:p>
+        </p:txBody>
+      </p:sp>
+      <p:pic>
+        <p:nvPicPr>
+          <p:cNvPr id="7" name="Imagen 6">
+            <a:extLst>
+              <a:ext uri="{FF2B5EF4-FFF2-40B4-BE49-F238E27FC236}">
+                <a16:creationId xmlns:a16="http://schemas.microsoft.com/office/drawing/2014/main" id="{534A9A69-24D4-4BC6-8C6A-23B63F5BEA86}"/>
+              </a:ext>
+            </a:extLst>
+          </p:cNvPr>
+          <p:cNvPicPr>
+            <a:picLocks noChangeAspect="1"/>
+          </p:cNvPicPr>
+          <p:nvPr/>
+        </p:nvPicPr>
+        <p:blipFill>
+          <a:blip r:embed="rId3"/>
+          <a:stretch>
+            <a:fillRect/>
+          </a:stretch>
+        </p:blipFill>
+        <p:spPr>
+          <a:xfrm>
+            <a:off x="3265354" y="835855"/>
+            <a:ext cx="3467100" cy="3257550"/>
+          </a:xfrm>
+          <a:prstGeom prst="rect">
+            <a:avLst/>
+          </a:prstGeom>
+        </p:spPr>
+      </p:pic>
+      <p:sp>
+        <p:nvSpPr>
+          <p:cNvPr id="9" name="Rectángulo 8">
+            <a:extLst>
+              <a:ext uri="{FF2B5EF4-FFF2-40B4-BE49-F238E27FC236}">
+                <a16:creationId xmlns:a16="http://schemas.microsoft.com/office/drawing/2014/main" id="{E7255F2D-17A2-4D0A-8220-CC8E1CF5B24E}"/>
+              </a:ext>
+            </a:extLst>
+          </p:cNvPr>
+          <p:cNvSpPr/>
+          <p:nvPr/>
+        </p:nvSpPr>
+        <p:spPr>
+          <a:xfrm>
+            <a:off x="4371121" y="4579517"/>
+            <a:ext cx="2729895" cy="1630011"/>
+          </a:xfrm>
+          <a:prstGeom prst="rect">
+            <a:avLst/>
+          </a:prstGeom>
+        </p:spPr>
+        <p:style>
+          <a:lnRef idx="2">
+            <a:schemeClr val="accent1">
+              <a:shade val="50000"/>
+            </a:schemeClr>
+          </a:lnRef>
+          <a:fillRef idx="1">
+            <a:schemeClr val="accent1"/>
+          </a:fillRef>
+          <a:effectRef idx="0">
+            <a:schemeClr val="accent1"/>
+          </a:effectRef>
+          <a:fontRef idx="minor">
+            <a:schemeClr val="lt1"/>
+          </a:fontRef>
+        </p:style>
+        <p:txBody>
+          <a:bodyPr rtlCol="0" anchor="ctr"/>
+          <a:lstStyle/>
+          <a:p>
+            <a:pPr algn="ctr"/>
+            <a:r>
+              <a:rPr lang="es-ES" sz="3200" dirty="0"/>
+              <a:t>Entidades</a:t>
+            </a:r>
+            <a:endParaRPr lang="es-CO" sz="3200" dirty="0"/>
+          </a:p>
+        </p:txBody>
+      </p:sp>
+    </p:spTree>
+    <p:extLst>
+      <p:ext uri="{BB962C8B-B14F-4D97-AF65-F5344CB8AC3E}">
+        <p14:creationId xmlns:p14="http://schemas.microsoft.com/office/powerpoint/2010/main" val="3319241803"/>
+      </p:ext>
+    </p:extLst>
+  </p:cSld>
+  <p:clrMapOvr>
+    <a:masterClrMapping/>
+  </p:clrMapOvr>
+</p:sld>
+</file>
+
+<file path=ppt/slides/slide11.xml><?xml version="1.0" encoding="utf-8"?>
+<p:sld xmlns:a="http://schemas.openxmlformats.org/drawingml/2006/main" xmlns:r="http://schemas.openxmlformats.org/officeDocument/2006/relationships" xmlns:p="http://schemas.openxmlformats.org/presentationml/2006/main">
+  <p:cSld>
+    <p:spTree>
+      <p:nvGrpSpPr>
+        <p:cNvPr id="1" name=""/>
+        <p:cNvGrpSpPr/>
+        <p:nvPr/>
+      </p:nvGrpSpPr>
+      <p:grpSpPr>
+        <a:xfrm>
+          <a:off x="0" y="0"/>
+          <a:ext cx="0" cy="0"/>
+          <a:chOff x="0" y="0"/>
+          <a:chExt cx="0" cy="0"/>
+        </a:xfrm>
+      </p:grpSpPr>
+      <p:pic>
+        <p:nvPicPr>
+          <p:cNvPr id="2" name="Imagen 1">
+            <a:extLst>
+              <a:ext uri="{FF2B5EF4-FFF2-40B4-BE49-F238E27FC236}">
+                <a16:creationId xmlns:a16="http://schemas.microsoft.com/office/drawing/2014/main" id="{70550959-39E3-44C8-9F0C-6EE9DF41A9FC}"/>
+              </a:ext>
+            </a:extLst>
+          </p:cNvPr>
+          <p:cNvPicPr>
+            <a:picLocks noChangeAspect="1"/>
+          </p:cNvPicPr>
+          <p:nvPr/>
+        </p:nvPicPr>
+        <p:blipFill>
+          <a:blip r:embed="rId2"/>
+          <a:stretch>
+            <a:fillRect/>
+          </a:stretch>
+        </p:blipFill>
+        <p:spPr>
+          <a:xfrm>
+            <a:off x="3426941" y="158743"/>
+            <a:ext cx="8554217" cy="6540513"/>
+          </a:xfrm>
+          <a:prstGeom prst="rect">
+            <a:avLst/>
+          </a:prstGeom>
+        </p:spPr>
+      </p:pic>
+      <p:sp>
+        <p:nvSpPr>
+          <p:cNvPr id="4" name="Rectángulo 3">
+            <a:extLst>
+              <a:ext uri="{FF2B5EF4-FFF2-40B4-BE49-F238E27FC236}">
+                <a16:creationId xmlns:a16="http://schemas.microsoft.com/office/drawing/2014/main" id="{FDB2A0D9-C4A8-44EA-9072-C1CA1E8D83FC}"/>
+              </a:ext>
+            </a:extLst>
+          </p:cNvPr>
+          <p:cNvSpPr/>
+          <p:nvPr/>
+        </p:nvSpPr>
+        <p:spPr>
+          <a:xfrm>
+            <a:off x="816338" y="2457473"/>
+            <a:ext cx="2556108" cy="1630011"/>
+          </a:xfrm>
+          <a:prstGeom prst="rect">
+            <a:avLst/>
+          </a:prstGeom>
+        </p:spPr>
+        <p:style>
+          <a:lnRef idx="2">
+            <a:schemeClr val="accent1">
+              <a:shade val="50000"/>
+            </a:schemeClr>
+          </a:lnRef>
+          <a:fillRef idx="1">
+            <a:schemeClr val="accent1"/>
+          </a:fillRef>
+          <a:effectRef idx="0">
+            <a:schemeClr val="accent1"/>
+          </a:effectRef>
+          <a:fontRef idx="minor">
+            <a:schemeClr val="lt1"/>
+          </a:fontRef>
+        </p:style>
+        <p:txBody>
+          <a:bodyPr rtlCol="0" anchor="ctr"/>
+          <a:lstStyle/>
+          <a:p>
+            <a:pPr algn="ctr"/>
+            <a:r>
+              <a:rPr lang="es-ES" sz="3200" dirty="0"/>
+              <a:t>Ejemplo de una Entidad</a:t>
+            </a:r>
+            <a:endParaRPr lang="es-CO" sz="3200" dirty="0"/>
+          </a:p>
+        </p:txBody>
+      </p:sp>
+    </p:spTree>
+    <p:extLst>
+      <p:ext uri="{BB962C8B-B14F-4D97-AF65-F5344CB8AC3E}">
+        <p14:creationId xmlns:p14="http://schemas.microsoft.com/office/powerpoint/2010/main" val="509033696"/>
+      </p:ext>
+    </p:extLst>
+  </p:cSld>
+  <p:clrMapOvr>
+    <a:masterClrMapping/>
+  </p:clrMapOvr>
+</p:sld>
+</file>
+
+<file path=ppt/slides/slide12.xml><?xml version="1.0" encoding="utf-8"?>
+<p:sld xmlns:a="http://schemas.openxmlformats.org/drawingml/2006/main" xmlns:r="http://schemas.openxmlformats.org/officeDocument/2006/relationships" xmlns:p="http://schemas.openxmlformats.org/presentationml/2006/main">
+  <p:cSld>
+    <p:spTree>
+      <p:nvGrpSpPr>
+        <p:cNvPr id="1" name=""/>
+        <p:cNvGrpSpPr/>
+        <p:nvPr/>
+      </p:nvGrpSpPr>
+      <p:grpSpPr>
+        <a:xfrm>
+          <a:off x="0" y="0"/>
+          <a:ext cx="0" cy="0"/>
+          <a:chOff x="0" y="0"/>
+          <a:chExt cx="0" cy="0"/>
+        </a:xfrm>
+      </p:grpSpPr>
       <p:sp>
         <p:nvSpPr>
           <p:cNvPr id="2" name="Título 1">
@@ -6347,7 +6695,7 @@
         </p:nvSpPr>
         <p:spPr>
           <a:xfrm>
-            <a:off x="173353" y="5112027"/>
+            <a:off x="207858" y="4991257"/>
             <a:ext cx="3535681" cy="1630011"/>
           </a:xfrm>
           <a:prstGeom prst="rect">
@@ -6377,11 +6725,7 @@
             <a:pPr algn="ctr"/>
             <a:r>
               <a:rPr lang="es-ES" sz="3200" dirty="0"/>
-              <a:t>Diagrama de </a:t>
-            </a:r>
-            <a:r>
-              <a:rPr lang="es-ES" sz="3200" dirty="0" err="1"/>
-              <a:t>Modulos</a:t>
+              <a:t>Diagrama de grados de dependencia </a:t>
             </a:r>
             <a:endParaRPr lang="es-CO" sz="3200" dirty="0"/>
           </a:p>
@@ -6419,10 +6763,10 @@
       </p:grpSpPr>
       <p:pic>
         <p:nvPicPr>
-          <p:cNvPr id="3" name="Imagen 2">
+          <p:cNvPr id="2" name="Imagen 1">
             <a:extLst>
               <a:ext uri="{FF2B5EF4-FFF2-40B4-BE49-F238E27FC236}">
-                <a16:creationId xmlns:a16="http://schemas.microsoft.com/office/drawing/2014/main" id="{EF5298D4-794F-44CC-8276-9B0D4BC6A16A}"/>
+                <a16:creationId xmlns:a16="http://schemas.microsoft.com/office/drawing/2014/main" id="{560D996D-A91E-43FC-910D-58BD55D81C99}"/>
               </a:ext>
             </a:extLst>
           </p:cNvPr>
@@ -6431,16 +6775,15 @@
           </p:cNvPicPr>
           <p:nvPr/>
         </p:nvPicPr>
-        <p:blipFill>
+        <p:blipFill rotWithShape="1">
           <a:blip r:embed="rId2"/>
-          <a:stretch>
-            <a:fillRect/>
-          </a:stretch>
+          <a:srcRect r="2571"/>
+          <a:stretch/>
         </p:blipFill>
         <p:spPr>
           <a:xfrm>
-            <a:off x="8512518" y="170678"/>
-            <a:ext cx="3371850" cy="6038850"/>
+            <a:off x="156713" y="385118"/>
+            <a:ext cx="11878574" cy="5104351"/>
           </a:xfrm>
           <a:prstGeom prst="rect">
             <a:avLst/>
@@ -6449,10 +6792,10 @@
       </p:pic>
       <p:sp>
         <p:nvSpPr>
-          <p:cNvPr id="5" name="Rectángulo 4">
+          <p:cNvPr id="4" name="Rectángulo 3">
             <a:extLst>
               <a:ext uri="{FF2B5EF4-FFF2-40B4-BE49-F238E27FC236}">
-                <a16:creationId xmlns:a16="http://schemas.microsoft.com/office/drawing/2014/main" id="{07DF1E73-C4EE-4B4D-BF1E-6B4849BB343B}"/>
+                <a16:creationId xmlns:a16="http://schemas.microsoft.com/office/drawing/2014/main" id="{5025F836-4544-49D1-BA77-21FE9D928980}"/>
               </a:ext>
             </a:extLst>
           </p:cNvPr>
@@ -6461,8 +6804,8 @@
         </p:nvSpPr>
         <p:spPr>
           <a:xfrm>
-            <a:off x="535459" y="834619"/>
-            <a:ext cx="2729895" cy="1630011"/>
+            <a:off x="9551704" y="5137906"/>
+            <a:ext cx="2371440" cy="1630011"/>
           </a:xfrm>
           <a:prstGeom prst="rect">
             <a:avLst/>
@@ -6491,133 +6834,7 @@
             <a:pPr algn="ctr"/>
             <a:r>
               <a:rPr lang="es-ES" sz="3200" dirty="0"/>
-              <a:t>Estructura del Proyecto</a:t>
-            </a:r>
-            <a:endParaRPr lang="es-CO" sz="3200" dirty="0"/>
-          </a:p>
-        </p:txBody>
-      </p:sp>
-      <p:sp>
-        <p:nvSpPr>
-          <p:cNvPr id="6" name="Flecha: a la derecha 5">
-            <a:extLst>
-              <a:ext uri="{FF2B5EF4-FFF2-40B4-BE49-F238E27FC236}">
-                <a16:creationId xmlns:a16="http://schemas.microsoft.com/office/drawing/2014/main" id="{E0083BB7-EA4F-4BBC-9F6B-15910344BAD9}"/>
-              </a:ext>
-            </a:extLst>
-          </p:cNvPr>
-          <p:cNvSpPr/>
-          <p:nvPr/>
-        </p:nvSpPr>
-        <p:spPr>
-          <a:xfrm>
-            <a:off x="7101016" y="4764327"/>
-            <a:ext cx="1411502" cy="1260389"/>
-          </a:xfrm>
-          <a:prstGeom prst="rightArrow">
-            <a:avLst/>
-          </a:prstGeom>
-        </p:spPr>
-        <p:style>
-          <a:lnRef idx="2">
-            <a:schemeClr val="accent1">
-              <a:shade val="50000"/>
-            </a:schemeClr>
-          </a:lnRef>
-          <a:fillRef idx="1">
-            <a:schemeClr val="accent1"/>
-          </a:fillRef>
-          <a:effectRef idx="0">
-            <a:schemeClr val="accent1"/>
-          </a:effectRef>
-          <a:fontRef idx="minor">
-            <a:schemeClr val="lt1"/>
-          </a:fontRef>
-        </p:style>
-        <p:txBody>
-          <a:bodyPr rtlCol="0" anchor="ctr"/>
-          <a:lstStyle/>
-          <a:p>
-            <a:pPr algn="ctr"/>
-            <a:endParaRPr lang="es-CO"/>
-          </a:p>
-        </p:txBody>
-      </p:sp>
-      <p:pic>
-        <p:nvPicPr>
-          <p:cNvPr id="7" name="Imagen 6">
-            <a:extLst>
-              <a:ext uri="{FF2B5EF4-FFF2-40B4-BE49-F238E27FC236}">
-                <a16:creationId xmlns:a16="http://schemas.microsoft.com/office/drawing/2014/main" id="{534A9A69-24D4-4BC6-8C6A-23B63F5BEA86}"/>
-              </a:ext>
-            </a:extLst>
-          </p:cNvPr>
-          <p:cNvPicPr>
-            <a:picLocks noChangeAspect="1"/>
-          </p:cNvPicPr>
-          <p:nvPr/>
-        </p:nvPicPr>
-        <p:blipFill>
-          <a:blip r:embed="rId3"/>
-          <a:stretch>
-            <a:fillRect/>
-          </a:stretch>
-        </p:blipFill>
-        <p:spPr>
-          <a:xfrm>
-            <a:off x="3265354" y="835855"/>
-            <a:ext cx="3467100" cy="3257550"/>
-          </a:xfrm>
-          <a:prstGeom prst="rect">
-            <a:avLst/>
-          </a:prstGeom>
-        </p:spPr>
-      </p:pic>
-      <p:sp>
-        <p:nvSpPr>
-          <p:cNvPr id="9" name="Rectángulo 8">
-            <a:extLst>
-              <a:ext uri="{FF2B5EF4-FFF2-40B4-BE49-F238E27FC236}">
-                <a16:creationId xmlns:a16="http://schemas.microsoft.com/office/drawing/2014/main" id="{E7255F2D-17A2-4D0A-8220-CC8E1CF5B24E}"/>
-              </a:ext>
-            </a:extLst>
-          </p:cNvPr>
-          <p:cNvSpPr/>
-          <p:nvPr/>
-        </p:nvSpPr>
-        <p:spPr>
-          <a:xfrm>
-            <a:off x="4371121" y="4579517"/>
-            <a:ext cx="2729895" cy="1630011"/>
-          </a:xfrm>
-          <a:prstGeom prst="rect">
-            <a:avLst/>
-          </a:prstGeom>
-        </p:spPr>
-        <p:style>
-          <a:lnRef idx="2">
-            <a:schemeClr val="accent1">
-              <a:shade val="50000"/>
-            </a:schemeClr>
-          </a:lnRef>
-          <a:fillRef idx="1">
-            <a:schemeClr val="accent1"/>
-          </a:fillRef>
-          <a:effectRef idx="0">
-            <a:schemeClr val="accent1"/>
-          </a:effectRef>
-          <a:fontRef idx="minor">
-            <a:schemeClr val="lt1"/>
-          </a:fontRef>
-        </p:style>
-        <p:txBody>
-          <a:bodyPr rtlCol="0" anchor="ctr"/>
-          <a:lstStyle/>
-          <a:p>
-            <a:pPr algn="ctr"/>
-            <a:r>
-              <a:rPr lang="es-ES" sz="3200" dirty="0"/>
-              <a:t>Entidades</a:t>
+              <a:t>Módulos y casos de Uso</a:t>
             </a:r>
             <a:endParaRPr lang="es-CO" sz="3200" dirty="0"/>
           </a:p>
@@ -6626,7 +6843,7 @@
     </p:spTree>
     <p:extLst>
       <p:ext uri="{BB962C8B-B14F-4D97-AF65-F5344CB8AC3E}">
-        <p14:creationId xmlns:p14="http://schemas.microsoft.com/office/powerpoint/2010/main" val="3319241803"/>
+        <p14:creationId xmlns:p14="http://schemas.microsoft.com/office/powerpoint/2010/main" val="2419530083"/>
       </p:ext>
     </p:extLst>
   </p:cSld>
@@ -6655,10 +6872,10 @@
       </p:grpSpPr>
       <p:pic>
         <p:nvPicPr>
-          <p:cNvPr id="2" name="Imagen 1">
+          <p:cNvPr id="3" name="Imagen 2">
             <a:extLst>
               <a:ext uri="{FF2B5EF4-FFF2-40B4-BE49-F238E27FC236}">
-                <a16:creationId xmlns:a16="http://schemas.microsoft.com/office/drawing/2014/main" id="{70550959-39E3-44C8-9F0C-6EE9DF41A9FC}"/>
+                <a16:creationId xmlns:a16="http://schemas.microsoft.com/office/drawing/2014/main" id="{744663A6-5D43-4AB0-9CCD-733A588B464D}"/>
               </a:ext>
             </a:extLst>
           </p:cNvPr>
@@ -6675,8 +6892,8 @@
         </p:blipFill>
         <p:spPr>
           <a:xfrm>
-            <a:off x="3426941" y="158743"/>
-            <a:ext cx="8554217" cy="6540513"/>
+            <a:off x="1880482" y="289255"/>
+            <a:ext cx="10066744" cy="5731984"/>
           </a:xfrm>
           <a:prstGeom prst="rect">
             <a:avLst/>
@@ -6685,10 +6902,10 @@
       </p:pic>
       <p:sp>
         <p:nvSpPr>
-          <p:cNvPr id="4" name="Rectángulo 3">
+          <p:cNvPr id="5" name="Rectángulo 4">
             <a:extLst>
               <a:ext uri="{FF2B5EF4-FFF2-40B4-BE49-F238E27FC236}">
-                <a16:creationId xmlns:a16="http://schemas.microsoft.com/office/drawing/2014/main" id="{FDB2A0D9-C4A8-44EA-9072-C1CA1E8D83FC}"/>
+                <a16:creationId xmlns:a16="http://schemas.microsoft.com/office/drawing/2014/main" id="{3E90687B-68FC-4D05-9AA4-28FB85504853}"/>
               </a:ext>
             </a:extLst>
           </p:cNvPr>
@@ -6697,8 +6914,8 @@
         </p:nvSpPr>
         <p:spPr>
           <a:xfrm>
-            <a:off x="816338" y="2457473"/>
-            <a:ext cx="2556108" cy="1630011"/>
+            <a:off x="207859" y="4991257"/>
+            <a:ext cx="2371440" cy="1630011"/>
           </a:xfrm>
           <a:prstGeom prst="rect">
             <a:avLst/>
@@ -6727,7 +6944,7 @@
             <a:pPr algn="ctr"/>
             <a:r>
               <a:rPr lang="es-ES" sz="3200" dirty="0"/>
-              <a:t>Ejemplo de una Entidad</a:t>
+              <a:t>Diagrama de Módulos</a:t>
             </a:r>
             <a:endParaRPr lang="es-CO" sz="3200" dirty="0"/>
           </a:p>
@@ -6736,7 +6953,7 @@
     </p:spTree>
     <p:extLst>
       <p:ext uri="{BB962C8B-B14F-4D97-AF65-F5344CB8AC3E}">
-        <p14:creationId xmlns:p14="http://schemas.microsoft.com/office/powerpoint/2010/main" val="509033696"/>
+        <p14:creationId xmlns:p14="http://schemas.microsoft.com/office/powerpoint/2010/main" val="1191882903"/>
       </p:ext>
     </p:extLst>
   </p:cSld>

--- a/Docs/Appausa 3.0.pptx
+++ b/Docs/Appausa 3.0.pptx
@@ -218,7 +218,7 @@
           <a:effectLst/>
           <a:extLst>
             <a:ext uri="{91240B29-F687-4f45-9708-019B960494DF}">
-              <a14:hiddenLine xmlns="" xmlns:a14="http://schemas.microsoft.com/office/drawing/2010/main" w="9525">
+              <a14:hiddenLine xmlns:a14="http://schemas.microsoft.com/office/drawing/2010/main" xmlns="" w="9525">
                 <a:solidFill>
                   <a:srgbClr val="000000"/>
                 </a:solidFill>
@@ -410,7 +410,7 @@
           <a:p>
             <a:fld id="{9312A5C8-BD95-49A5-8C32-5A11D6447EED}" type="datetimeFigureOut">
               <a:rPr lang="es-CO" smtClean="0"/>
-              <a:t>9/11/2020</a:t>
+              <a:t>10/11/2020</a:t>
             </a:fld>
             <a:endParaRPr lang="es-CO"/>
           </a:p>
@@ -728,7 +728,7 @@
           <a:p>
             <a:fld id="{9312A5C8-BD95-49A5-8C32-5A11D6447EED}" type="datetimeFigureOut">
               <a:rPr lang="es-CO" smtClean="0"/>
-              <a:t>9/11/2020</a:t>
+              <a:t>10/11/2020</a:t>
             </a:fld>
             <a:endParaRPr lang="es-CO"/>
           </a:p>
@@ -1216,7 +1216,7 @@
           <a:p>
             <a:fld id="{9312A5C8-BD95-49A5-8C32-5A11D6447EED}" type="datetimeFigureOut">
               <a:rPr lang="es-CO" smtClean="0"/>
-              <a:t>9/11/2020</a:t>
+              <a:t>10/11/2020</a:t>
             </a:fld>
             <a:endParaRPr lang="es-CO"/>
           </a:p>
@@ -1585,7 +1585,7 @@
           <a:p>
             <a:fld id="{9312A5C8-BD95-49A5-8C32-5A11D6447EED}" type="datetimeFigureOut">
               <a:rPr lang="es-CO" smtClean="0"/>
-              <a:t>9/11/2020</a:t>
+              <a:t>10/11/2020</a:t>
             </a:fld>
             <a:endParaRPr lang="es-CO"/>
           </a:p>
@@ -1740,7 +1740,7 @@
           <a:ln/>
           <a:extLst>
             <a:ext uri="{91240B29-F687-4f45-9708-019B960494DF}">
-              <a14:hiddenLine xmlns="" xmlns:a14="http://schemas.microsoft.com/office/drawing/2010/main" w="9525">
+              <a14:hiddenLine xmlns:a14="http://schemas.microsoft.com/office/drawing/2010/main" xmlns="" w="9525">
                 <a:solidFill>
                   <a:srgbClr val="000000"/>
                 </a:solidFill>
@@ -1858,7 +1858,7 @@
           <a:p>
             <a:fld id="{9312A5C8-BD95-49A5-8C32-5A11D6447EED}" type="datetimeFigureOut">
               <a:rPr lang="es-CO" smtClean="0"/>
-              <a:t>9/11/2020</a:t>
+              <a:t>10/11/2020</a:t>
             </a:fld>
             <a:endParaRPr lang="es-CO"/>
           </a:p>
@@ -2015,7 +2015,7 @@
           <a:ln/>
           <a:extLst>
             <a:ext uri="{91240B29-F687-4f45-9708-019B960494DF}">
-              <a14:hiddenLine xmlns="" xmlns:a14="http://schemas.microsoft.com/office/drawing/2010/main" w="9525">
+              <a14:hiddenLine xmlns:a14="http://schemas.microsoft.com/office/drawing/2010/main" xmlns="" w="9525">
                 <a:solidFill>
                   <a:srgbClr val="000000"/>
                 </a:solidFill>
@@ -2143,7 +2143,7 @@
           <a:p>
             <a:fld id="{9312A5C8-BD95-49A5-8C32-5A11D6447EED}" type="datetimeFigureOut">
               <a:rPr lang="es-CO" smtClean="0"/>
-              <a:t>9/11/2020</a:t>
+              <a:t>10/11/2020</a:t>
             </a:fld>
             <a:endParaRPr lang="es-CO"/>
           </a:p>
@@ -2298,7 +2298,7 @@
           <a:ln/>
           <a:extLst>
             <a:ext uri="{91240B29-F687-4f45-9708-019B960494DF}">
-              <a14:hiddenLine xmlns="" xmlns:a14="http://schemas.microsoft.com/office/drawing/2010/main" w="9525">
+              <a14:hiddenLine xmlns:a14="http://schemas.microsoft.com/office/drawing/2010/main" xmlns="" w="9525">
                 <a:solidFill>
                   <a:srgbClr val="000000"/>
                 </a:solidFill>
@@ -2426,7 +2426,7 @@
           <a:p>
             <a:fld id="{9312A5C8-BD95-49A5-8C32-5A11D6447EED}" type="datetimeFigureOut">
               <a:rPr lang="es-CO" smtClean="0"/>
-              <a:t>9/11/2020</a:t>
+              <a:t>10/11/2020</a:t>
             </a:fld>
             <a:endParaRPr lang="es-CO"/>
           </a:p>
@@ -2769,7 +2769,7 @@
           <a:p>
             <a:fld id="{9312A5C8-BD95-49A5-8C32-5A11D6447EED}" type="datetimeFigureOut">
               <a:rPr lang="es-CO" smtClean="0"/>
-              <a:t>9/11/2020</a:t>
+              <a:t>10/11/2020</a:t>
             </a:fld>
             <a:endParaRPr lang="es-CO"/>
           </a:p>
@@ -2924,7 +2924,7 @@
           <a:ln/>
           <a:extLst>
             <a:ext uri="{91240B29-F687-4f45-9708-019B960494DF}">
-              <a14:hiddenLine xmlns="" xmlns:a14="http://schemas.microsoft.com/office/drawing/2010/main" w="9525">
+              <a14:hiddenLine xmlns:a14="http://schemas.microsoft.com/office/drawing/2010/main" xmlns="" w="9525">
                 <a:solidFill>
                   <a:srgbClr val="000000"/>
                 </a:solidFill>
@@ -3108,7 +3108,7 @@
           <a:p>
             <a:fld id="{9312A5C8-BD95-49A5-8C32-5A11D6447EED}" type="datetimeFigureOut">
               <a:rPr lang="es-CO" smtClean="0"/>
-              <a:t>9/11/2020</a:t>
+              <a:t>10/11/2020</a:t>
             </a:fld>
             <a:endParaRPr lang="es-CO"/>
           </a:p>
@@ -3263,7 +3263,7 @@
           <a:ln/>
           <a:extLst>
             <a:ext uri="{91240B29-F687-4f45-9708-019B960494DF}">
-              <a14:hiddenLine xmlns="" xmlns:a14="http://schemas.microsoft.com/office/drawing/2010/main" w="9525">
+              <a14:hiddenLine xmlns:a14="http://schemas.microsoft.com/office/drawing/2010/main" xmlns="" w="9525">
                 <a:solidFill>
                   <a:srgbClr val="000000"/>
                 </a:solidFill>
@@ -3585,7 +3585,7 @@
           <a:p>
             <a:fld id="{9312A5C8-BD95-49A5-8C32-5A11D6447EED}" type="datetimeFigureOut">
               <a:rPr lang="es-CO" smtClean="0"/>
-              <a:t>9/11/2020</a:t>
+              <a:t>10/11/2020</a:t>
             </a:fld>
             <a:endParaRPr lang="es-CO"/>
           </a:p>
@@ -3740,7 +3740,7 @@
           <a:ln/>
           <a:extLst>
             <a:ext uri="{91240B29-F687-4f45-9708-019B960494DF}">
-              <a14:hiddenLine xmlns="" xmlns:a14="http://schemas.microsoft.com/office/drawing/2010/main" w="9525">
+              <a14:hiddenLine xmlns:a14="http://schemas.microsoft.com/office/drawing/2010/main" xmlns="" w="9525">
                 <a:solidFill>
                   <a:srgbClr val="000000"/>
                 </a:solidFill>
@@ -3806,7 +3806,7 @@
           <a:p>
             <a:fld id="{9312A5C8-BD95-49A5-8C32-5A11D6447EED}" type="datetimeFigureOut">
               <a:rPr lang="es-CO" smtClean="0"/>
-              <a:t>9/11/2020</a:t>
+              <a:t>10/11/2020</a:t>
             </a:fld>
             <a:endParaRPr lang="es-CO"/>
           </a:p>
@@ -3901,7 +3901,7 @@
           <a:p>
             <a:fld id="{9312A5C8-BD95-49A5-8C32-5A11D6447EED}" type="datetimeFigureOut">
               <a:rPr lang="es-CO" smtClean="0"/>
-              <a:t>9/11/2020</a:t>
+              <a:t>10/11/2020</a:t>
             </a:fld>
             <a:endParaRPr lang="es-CO"/>
           </a:p>
@@ -4169,7 +4169,7 @@
           <a:ln/>
           <a:extLst>
             <a:ext uri="{91240B29-F687-4f45-9708-019B960494DF}">
-              <a14:hiddenLine xmlns="" xmlns:a14="http://schemas.microsoft.com/office/drawing/2010/main" w="9525">
+              <a14:hiddenLine xmlns:a14="http://schemas.microsoft.com/office/drawing/2010/main" xmlns="" w="9525">
                 <a:solidFill>
                   <a:srgbClr val="000000"/>
                 </a:solidFill>
@@ -4368,7 +4368,7 @@
           <a:p>
             <a:fld id="{9312A5C8-BD95-49A5-8C32-5A11D6447EED}" type="datetimeFigureOut">
               <a:rPr lang="es-CO" smtClean="0"/>
-              <a:t>9/11/2020</a:t>
+              <a:t>10/11/2020</a:t>
             </a:fld>
             <a:endParaRPr lang="es-CO"/>
           </a:p>
@@ -4681,7 +4681,7 @@
           <a:p>
             <a:fld id="{9312A5C8-BD95-49A5-8C32-5A11D6447EED}" type="datetimeFigureOut">
               <a:rPr lang="es-CO" smtClean="0"/>
-              <a:t>9/11/2020</a:t>
+              <a:t>10/11/2020</a:t>
             </a:fld>
             <a:endParaRPr lang="es-CO"/>
           </a:p>
@@ -4951,7 +4951,7 @@
           <a:p>
             <a:fld id="{9312A5C8-BD95-49A5-8C32-5A11D6447EED}" type="datetimeFigureOut">
               <a:rPr lang="es-CO" smtClean="0"/>
-              <a:t>9/11/2020</a:t>
+              <a:t>10/11/2020</a:t>
             </a:fld>
             <a:endParaRPr lang="es-CO"/>
           </a:p>

--- a/Docs/Appausa 3.0.pptx
+++ b/Docs/Appausa 3.0.pptx
@@ -218,7 +218,7 @@
           <a:effectLst/>
           <a:extLst>
             <a:ext uri="{91240B29-F687-4f45-9708-019B960494DF}">
-              <a14:hiddenLine xmlns:a14="http://schemas.microsoft.com/office/drawing/2010/main" xmlns="" w="9525">
+              <a14:hiddenLine xmlns="" xmlns:a14="http://schemas.microsoft.com/office/drawing/2010/main" w="9525">
                 <a:solidFill>
                   <a:srgbClr val="000000"/>
                 </a:solidFill>
@@ -410,7 +410,7 @@
           <a:p>
             <a:fld id="{9312A5C8-BD95-49A5-8C32-5A11D6447EED}" type="datetimeFigureOut">
               <a:rPr lang="es-CO" smtClean="0"/>
-              <a:t>10/11/2020</a:t>
+              <a:t>20/11/2020</a:t>
             </a:fld>
             <a:endParaRPr lang="es-CO"/>
           </a:p>
@@ -728,7 +728,7 @@
           <a:p>
             <a:fld id="{9312A5C8-BD95-49A5-8C32-5A11D6447EED}" type="datetimeFigureOut">
               <a:rPr lang="es-CO" smtClean="0"/>
-              <a:t>10/11/2020</a:t>
+              <a:t>20/11/2020</a:t>
             </a:fld>
             <a:endParaRPr lang="es-CO"/>
           </a:p>
@@ -1216,7 +1216,7 @@
           <a:p>
             <a:fld id="{9312A5C8-BD95-49A5-8C32-5A11D6447EED}" type="datetimeFigureOut">
               <a:rPr lang="es-CO" smtClean="0"/>
-              <a:t>10/11/2020</a:t>
+              <a:t>20/11/2020</a:t>
             </a:fld>
             <a:endParaRPr lang="es-CO"/>
           </a:p>
@@ -1585,7 +1585,7 @@
           <a:p>
             <a:fld id="{9312A5C8-BD95-49A5-8C32-5A11D6447EED}" type="datetimeFigureOut">
               <a:rPr lang="es-CO" smtClean="0"/>
-              <a:t>10/11/2020</a:t>
+              <a:t>20/11/2020</a:t>
             </a:fld>
             <a:endParaRPr lang="es-CO"/>
           </a:p>
@@ -1740,7 +1740,7 @@
           <a:ln/>
           <a:extLst>
             <a:ext uri="{91240B29-F687-4f45-9708-019B960494DF}">
-              <a14:hiddenLine xmlns:a14="http://schemas.microsoft.com/office/drawing/2010/main" xmlns="" w="9525">
+              <a14:hiddenLine xmlns="" xmlns:a14="http://schemas.microsoft.com/office/drawing/2010/main" w="9525">
                 <a:solidFill>
                   <a:srgbClr val="000000"/>
                 </a:solidFill>
@@ -1858,7 +1858,7 @@
           <a:p>
             <a:fld id="{9312A5C8-BD95-49A5-8C32-5A11D6447EED}" type="datetimeFigureOut">
               <a:rPr lang="es-CO" smtClean="0"/>
-              <a:t>10/11/2020</a:t>
+              <a:t>20/11/2020</a:t>
             </a:fld>
             <a:endParaRPr lang="es-CO"/>
           </a:p>
@@ -2015,7 +2015,7 @@
           <a:ln/>
           <a:extLst>
             <a:ext uri="{91240B29-F687-4f45-9708-019B960494DF}">
-              <a14:hiddenLine xmlns:a14="http://schemas.microsoft.com/office/drawing/2010/main" xmlns="" w="9525">
+              <a14:hiddenLine xmlns="" xmlns:a14="http://schemas.microsoft.com/office/drawing/2010/main" w="9525">
                 <a:solidFill>
                   <a:srgbClr val="000000"/>
                 </a:solidFill>
@@ -2143,7 +2143,7 @@
           <a:p>
             <a:fld id="{9312A5C8-BD95-49A5-8C32-5A11D6447EED}" type="datetimeFigureOut">
               <a:rPr lang="es-CO" smtClean="0"/>
-              <a:t>10/11/2020</a:t>
+              <a:t>20/11/2020</a:t>
             </a:fld>
             <a:endParaRPr lang="es-CO"/>
           </a:p>
@@ -2298,7 +2298,7 @@
           <a:ln/>
           <a:extLst>
             <a:ext uri="{91240B29-F687-4f45-9708-019B960494DF}">
-              <a14:hiddenLine xmlns:a14="http://schemas.microsoft.com/office/drawing/2010/main" xmlns="" w="9525">
+              <a14:hiddenLine xmlns="" xmlns:a14="http://schemas.microsoft.com/office/drawing/2010/main" w="9525">
                 <a:solidFill>
                   <a:srgbClr val="000000"/>
                 </a:solidFill>
@@ -2426,7 +2426,7 @@
           <a:p>
             <a:fld id="{9312A5C8-BD95-49A5-8C32-5A11D6447EED}" type="datetimeFigureOut">
               <a:rPr lang="es-CO" smtClean="0"/>
-              <a:t>10/11/2020</a:t>
+              <a:t>20/11/2020</a:t>
             </a:fld>
             <a:endParaRPr lang="es-CO"/>
           </a:p>
@@ -2769,7 +2769,7 @@
           <a:p>
             <a:fld id="{9312A5C8-BD95-49A5-8C32-5A11D6447EED}" type="datetimeFigureOut">
               <a:rPr lang="es-CO" smtClean="0"/>
-              <a:t>10/11/2020</a:t>
+              <a:t>20/11/2020</a:t>
             </a:fld>
             <a:endParaRPr lang="es-CO"/>
           </a:p>
@@ -2924,7 +2924,7 @@
           <a:ln/>
           <a:extLst>
             <a:ext uri="{91240B29-F687-4f45-9708-019B960494DF}">
-              <a14:hiddenLine xmlns:a14="http://schemas.microsoft.com/office/drawing/2010/main" xmlns="" w="9525">
+              <a14:hiddenLine xmlns="" xmlns:a14="http://schemas.microsoft.com/office/drawing/2010/main" w="9525">
                 <a:solidFill>
                   <a:srgbClr val="000000"/>
                 </a:solidFill>
@@ -3108,7 +3108,7 @@
           <a:p>
             <a:fld id="{9312A5C8-BD95-49A5-8C32-5A11D6447EED}" type="datetimeFigureOut">
               <a:rPr lang="es-CO" smtClean="0"/>
-              <a:t>10/11/2020</a:t>
+              <a:t>20/11/2020</a:t>
             </a:fld>
             <a:endParaRPr lang="es-CO"/>
           </a:p>
@@ -3263,7 +3263,7 @@
           <a:ln/>
           <a:extLst>
             <a:ext uri="{91240B29-F687-4f45-9708-019B960494DF}">
-              <a14:hiddenLine xmlns:a14="http://schemas.microsoft.com/office/drawing/2010/main" xmlns="" w="9525">
+              <a14:hiddenLine xmlns="" xmlns:a14="http://schemas.microsoft.com/office/drawing/2010/main" w="9525">
                 <a:solidFill>
                   <a:srgbClr val="000000"/>
                 </a:solidFill>
@@ -3585,7 +3585,7 @@
           <a:p>
             <a:fld id="{9312A5C8-BD95-49A5-8C32-5A11D6447EED}" type="datetimeFigureOut">
               <a:rPr lang="es-CO" smtClean="0"/>
-              <a:t>10/11/2020</a:t>
+              <a:t>20/11/2020</a:t>
             </a:fld>
             <a:endParaRPr lang="es-CO"/>
           </a:p>
@@ -3740,7 +3740,7 @@
           <a:ln/>
           <a:extLst>
             <a:ext uri="{91240B29-F687-4f45-9708-019B960494DF}">
-              <a14:hiddenLine xmlns:a14="http://schemas.microsoft.com/office/drawing/2010/main" xmlns="" w="9525">
+              <a14:hiddenLine xmlns="" xmlns:a14="http://schemas.microsoft.com/office/drawing/2010/main" w="9525">
                 <a:solidFill>
                   <a:srgbClr val="000000"/>
                 </a:solidFill>
@@ -3806,7 +3806,7 @@
           <a:p>
             <a:fld id="{9312A5C8-BD95-49A5-8C32-5A11D6447EED}" type="datetimeFigureOut">
               <a:rPr lang="es-CO" smtClean="0"/>
-              <a:t>10/11/2020</a:t>
+              <a:t>20/11/2020</a:t>
             </a:fld>
             <a:endParaRPr lang="es-CO"/>
           </a:p>
@@ -3901,7 +3901,7 @@
           <a:p>
             <a:fld id="{9312A5C8-BD95-49A5-8C32-5A11D6447EED}" type="datetimeFigureOut">
               <a:rPr lang="es-CO" smtClean="0"/>
-              <a:t>10/11/2020</a:t>
+              <a:t>20/11/2020</a:t>
             </a:fld>
             <a:endParaRPr lang="es-CO"/>
           </a:p>
@@ -4169,7 +4169,7 @@
           <a:ln/>
           <a:extLst>
             <a:ext uri="{91240B29-F687-4f45-9708-019B960494DF}">
-              <a14:hiddenLine xmlns:a14="http://schemas.microsoft.com/office/drawing/2010/main" xmlns="" w="9525">
+              <a14:hiddenLine xmlns="" xmlns:a14="http://schemas.microsoft.com/office/drawing/2010/main" w="9525">
                 <a:solidFill>
                   <a:srgbClr val="000000"/>
                 </a:solidFill>
@@ -4368,7 +4368,7 @@
           <a:p>
             <a:fld id="{9312A5C8-BD95-49A5-8C32-5A11D6447EED}" type="datetimeFigureOut">
               <a:rPr lang="es-CO" smtClean="0"/>
-              <a:t>10/11/2020</a:t>
+              <a:t>20/11/2020</a:t>
             </a:fld>
             <a:endParaRPr lang="es-CO"/>
           </a:p>
@@ -4681,7 +4681,7 @@
           <a:p>
             <a:fld id="{9312A5C8-BD95-49A5-8C32-5A11D6447EED}" type="datetimeFigureOut">
               <a:rPr lang="es-CO" smtClean="0"/>
-              <a:t>10/11/2020</a:t>
+              <a:t>20/11/2020</a:t>
             </a:fld>
             <a:endParaRPr lang="es-CO"/>
           </a:p>
@@ -4951,7 +4951,7 @@
           <a:p>
             <a:fld id="{9312A5C8-BD95-49A5-8C32-5A11D6447EED}" type="datetimeFigureOut">
               <a:rPr lang="es-CO" smtClean="0"/>
-              <a:t>10/11/2020</a:t>
+              <a:t>20/11/2020</a:t>
             </a:fld>
             <a:endParaRPr lang="es-CO"/>
           </a:p>

--- a/Docs/Appausa 3.0.pptx
+++ b/Docs/Appausa 3.0.pptx
@@ -218,7 +218,7 @@
           <a:effectLst/>
           <a:extLst>
             <a:ext uri="{91240B29-F687-4f45-9708-019B960494DF}">
-              <a14:hiddenLine xmlns="" xmlns:a14="http://schemas.microsoft.com/office/drawing/2010/main" w="9525">
+              <a14:hiddenLine xmlns:a14="http://schemas.microsoft.com/office/drawing/2010/main" xmlns="" w="9525">
                 <a:solidFill>
                   <a:srgbClr val="000000"/>
                 </a:solidFill>
@@ -410,7 +410,7 @@
           <a:p>
             <a:fld id="{9312A5C8-BD95-49A5-8C32-5A11D6447EED}" type="datetimeFigureOut">
               <a:rPr lang="es-CO" smtClean="0"/>
-              <a:t>20/11/2020</a:t>
+              <a:t>21/11/2020</a:t>
             </a:fld>
             <a:endParaRPr lang="es-CO"/>
           </a:p>
@@ -728,7 +728,7 @@
           <a:p>
             <a:fld id="{9312A5C8-BD95-49A5-8C32-5A11D6447EED}" type="datetimeFigureOut">
               <a:rPr lang="es-CO" smtClean="0"/>
-              <a:t>20/11/2020</a:t>
+              <a:t>21/11/2020</a:t>
             </a:fld>
             <a:endParaRPr lang="es-CO"/>
           </a:p>
@@ -1216,7 +1216,7 @@
           <a:p>
             <a:fld id="{9312A5C8-BD95-49A5-8C32-5A11D6447EED}" type="datetimeFigureOut">
               <a:rPr lang="es-CO" smtClean="0"/>
-              <a:t>20/11/2020</a:t>
+              <a:t>21/11/2020</a:t>
             </a:fld>
             <a:endParaRPr lang="es-CO"/>
           </a:p>
@@ -1585,7 +1585,7 @@
           <a:p>
             <a:fld id="{9312A5C8-BD95-49A5-8C32-5A11D6447EED}" type="datetimeFigureOut">
               <a:rPr lang="es-CO" smtClean="0"/>
-              <a:t>20/11/2020</a:t>
+              <a:t>21/11/2020</a:t>
             </a:fld>
             <a:endParaRPr lang="es-CO"/>
           </a:p>
@@ -1740,7 +1740,7 @@
           <a:ln/>
           <a:extLst>
             <a:ext uri="{91240B29-F687-4f45-9708-019B960494DF}">
-              <a14:hiddenLine xmlns="" xmlns:a14="http://schemas.microsoft.com/office/drawing/2010/main" w="9525">
+              <a14:hiddenLine xmlns:a14="http://schemas.microsoft.com/office/drawing/2010/main" xmlns="" w="9525">
                 <a:solidFill>
                   <a:srgbClr val="000000"/>
                 </a:solidFill>
@@ -1858,7 +1858,7 @@
           <a:p>
             <a:fld id="{9312A5C8-BD95-49A5-8C32-5A11D6447EED}" type="datetimeFigureOut">
               <a:rPr lang="es-CO" smtClean="0"/>
-              <a:t>20/11/2020</a:t>
+              <a:t>21/11/2020</a:t>
             </a:fld>
             <a:endParaRPr lang="es-CO"/>
           </a:p>
@@ -2015,7 +2015,7 @@
           <a:ln/>
           <a:extLst>
             <a:ext uri="{91240B29-F687-4f45-9708-019B960494DF}">
-              <a14:hiddenLine xmlns="" xmlns:a14="http://schemas.microsoft.com/office/drawing/2010/main" w="9525">
+              <a14:hiddenLine xmlns:a14="http://schemas.microsoft.com/office/drawing/2010/main" xmlns="" w="9525">
                 <a:solidFill>
                   <a:srgbClr val="000000"/>
                 </a:solidFill>
@@ -2143,7 +2143,7 @@
           <a:p>
             <a:fld id="{9312A5C8-BD95-49A5-8C32-5A11D6447EED}" type="datetimeFigureOut">
               <a:rPr lang="es-CO" smtClean="0"/>
-              <a:t>20/11/2020</a:t>
+              <a:t>21/11/2020</a:t>
             </a:fld>
             <a:endParaRPr lang="es-CO"/>
           </a:p>
@@ -2298,7 +2298,7 @@
           <a:ln/>
           <a:extLst>
             <a:ext uri="{91240B29-F687-4f45-9708-019B960494DF}">
-              <a14:hiddenLine xmlns="" xmlns:a14="http://schemas.microsoft.com/office/drawing/2010/main" w="9525">
+              <a14:hiddenLine xmlns:a14="http://schemas.microsoft.com/office/drawing/2010/main" xmlns="" w="9525">
                 <a:solidFill>
                   <a:srgbClr val="000000"/>
                 </a:solidFill>
@@ -2426,7 +2426,7 @@
           <a:p>
             <a:fld id="{9312A5C8-BD95-49A5-8C32-5A11D6447EED}" type="datetimeFigureOut">
               <a:rPr lang="es-CO" smtClean="0"/>
-              <a:t>20/11/2020</a:t>
+              <a:t>21/11/2020</a:t>
             </a:fld>
             <a:endParaRPr lang="es-CO"/>
           </a:p>
@@ -2769,7 +2769,7 @@
           <a:p>
             <a:fld id="{9312A5C8-BD95-49A5-8C32-5A11D6447EED}" type="datetimeFigureOut">
               <a:rPr lang="es-CO" smtClean="0"/>
-              <a:t>20/11/2020</a:t>
+              <a:t>21/11/2020</a:t>
             </a:fld>
             <a:endParaRPr lang="es-CO"/>
           </a:p>
@@ -2924,7 +2924,7 @@
           <a:ln/>
           <a:extLst>
             <a:ext uri="{91240B29-F687-4f45-9708-019B960494DF}">
-              <a14:hiddenLine xmlns="" xmlns:a14="http://schemas.microsoft.com/office/drawing/2010/main" w="9525">
+              <a14:hiddenLine xmlns:a14="http://schemas.microsoft.com/office/drawing/2010/main" xmlns="" w="9525">
                 <a:solidFill>
                   <a:srgbClr val="000000"/>
                 </a:solidFill>
@@ -3108,7 +3108,7 @@
           <a:p>
             <a:fld id="{9312A5C8-BD95-49A5-8C32-5A11D6447EED}" type="datetimeFigureOut">
               <a:rPr lang="es-CO" smtClean="0"/>
-              <a:t>20/11/2020</a:t>
+              <a:t>21/11/2020</a:t>
             </a:fld>
             <a:endParaRPr lang="es-CO"/>
           </a:p>
@@ -3263,7 +3263,7 @@
           <a:ln/>
           <a:extLst>
             <a:ext uri="{91240B29-F687-4f45-9708-019B960494DF}">
-              <a14:hiddenLine xmlns="" xmlns:a14="http://schemas.microsoft.com/office/drawing/2010/main" w="9525">
+              <a14:hiddenLine xmlns:a14="http://schemas.microsoft.com/office/drawing/2010/main" xmlns="" w="9525">
                 <a:solidFill>
                   <a:srgbClr val="000000"/>
                 </a:solidFill>
@@ -3585,7 +3585,7 @@
           <a:p>
             <a:fld id="{9312A5C8-BD95-49A5-8C32-5A11D6447EED}" type="datetimeFigureOut">
               <a:rPr lang="es-CO" smtClean="0"/>
-              <a:t>20/11/2020</a:t>
+              <a:t>21/11/2020</a:t>
             </a:fld>
             <a:endParaRPr lang="es-CO"/>
           </a:p>
@@ -3740,7 +3740,7 @@
           <a:ln/>
           <a:extLst>
             <a:ext uri="{91240B29-F687-4f45-9708-019B960494DF}">
-              <a14:hiddenLine xmlns="" xmlns:a14="http://schemas.microsoft.com/office/drawing/2010/main" w="9525">
+              <a14:hiddenLine xmlns:a14="http://schemas.microsoft.com/office/drawing/2010/main" xmlns="" w="9525">
                 <a:solidFill>
                   <a:srgbClr val="000000"/>
                 </a:solidFill>
@@ -3806,7 +3806,7 @@
           <a:p>
             <a:fld id="{9312A5C8-BD95-49A5-8C32-5A11D6447EED}" type="datetimeFigureOut">
               <a:rPr lang="es-CO" smtClean="0"/>
-              <a:t>20/11/2020</a:t>
+              <a:t>21/11/2020</a:t>
             </a:fld>
             <a:endParaRPr lang="es-CO"/>
           </a:p>
@@ -3901,7 +3901,7 @@
           <a:p>
             <a:fld id="{9312A5C8-BD95-49A5-8C32-5A11D6447EED}" type="datetimeFigureOut">
               <a:rPr lang="es-CO" smtClean="0"/>
-              <a:t>20/11/2020</a:t>
+              <a:t>21/11/2020</a:t>
             </a:fld>
             <a:endParaRPr lang="es-CO"/>
           </a:p>
@@ -4169,7 +4169,7 @@
           <a:ln/>
           <a:extLst>
             <a:ext uri="{91240B29-F687-4f45-9708-019B960494DF}">
-              <a14:hiddenLine xmlns="" xmlns:a14="http://schemas.microsoft.com/office/drawing/2010/main" w="9525">
+              <a14:hiddenLine xmlns:a14="http://schemas.microsoft.com/office/drawing/2010/main" xmlns="" w="9525">
                 <a:solidFill>
                   <a:srgbClr val="000000"/>
                 </a:solidFill>
@@ -4368,7 +4368,7 @@
           <a:p>
             <a:fld id="{9312A5C8-BD95-49A5-8C32-5A11D6447EED}" type="datetimeFigureOut">
               <a:rPr lang="es-CO" smtClean="0"/>
-              <a:t>20/11/2020</a:t>
+              <a:t>21/11/2020</a:t>
             </a:fld>
             <a:endParaRPr lang="es-CO"/>
           </a:p>
@@ -4681,7 +4681,7 @@
           <a:p>
             <a:fld id="{9312A5C8-BD95-49A5-8C32-5A11D6447EED}" type="datetimeFigureOut">
               <a:rPr lang="es-CO" smtClean="0"/>
-              <a:t>20/11/2020</a:t>
+              <a:t>21/11/2020</a:t>
             </a:fld>
             <a:endParaRPr lang="es-CO"/>
           </a:p>
@@ -4951,7 +4951,7 @@
           <a:p>
             <a:fld id="{9312A5C8-BD95-49A5-8C32-5A11D6447EED}" type="datetimeFigureOut">
               <a:rPr lang="es-CO" smtClean="0"/>
-              <a:t>20/11/2020</a:t>
+              <a:t>21/11/2020</a:t>
             </a:fld>
             <a:endParaRPr lang="es-CO"/>
           </a:p>
@@ -5503,7 +5503,7 @@
         </p:blipFill>
         <p:spPr>
           <a:xfrm>
-            <a:off x="10080978" y="145562"/>
+            <a:off x="9865318" y="413075"/>
             <a:ext cx="1920523" cy="2072143"/>
           </a:xfrm>
           <a:prstGeom prst="rect">
